--- a/Vue/前端框架—Vue-郝彬彬-20180820.pptx
+++ b/Vue/前端框架—Vue-郝彬彬-20180820.pptx
@@ -5384,8 +5384,8 @@
         </p:nvSpPr>
         <p:spPr>
           <a:xfrm>
-            <a:off x="4799856" y="1302025"/>
-            <a:ext cx="7056784" cy="4240135"/>
+            <a:off x="5231904" y="980728"/>
+            <a:ext cx="6264696" cy="5184576"/>
           </a:xfrm>
           <a:prstGeom prst="roundRect">
             <a:avLst>
@@ -5427,8 +5427,8 @@
         </p:nvSpPr>
         <p:spPr>
           <a:xfrm>
-            <a:off x="5087888" y="2714063"/>
-            <a:ext cx="6672064" cy="1323439"/>
+            <a:off x="5519936" y="2780927"/>
+            <a:ext cx="5688632" cy="1569660"/>
           </a:xfrm>
           <a:prstGeom prst="rect">
             <a:avLst/>
@@ -5440,6 +5440,11 @@
           </a:bodyPr>
           <a:lstStyle/>
           <a:p>
+            <a:pPr>
+              <a:lnSpc>
+                <a:spcPct val="150000"/>
+              </a:lnSpc>
+            </a:pPr>
             <a:r>
               <a:rPr lang="en-US" altLang="zh-CN" sz="1600" dirty="0" smtClean="0">
                 <a:solidFill>
@@ -5492,6 +5497,9 @@
           </a:p>
           <a:p>
             <a:pPr marL="285750" indent="-285750">
+              <a:lnSpc>
+                <a:spcPct val="150000"/>
+              </a:lnSpc>
               <a:buFont typeface="Arial" panose="020B0604020202020204" pitchFamily="34" charset="0"/>
               <a:buChar char="•"/>
             </a:pPr>
@@ -5560,6 +5568,9 @@
           </a:p>
           <a:p>
             <a:pPr marL="285750" indent="-285750">
+              <a:lnSpc>
+                <a:spcPct val="150000"/>
+              </a:lnSpc>
               <a:buFont typeface="Arial" panose="020B0604020202020204" pitchFamily="34" charset="0"/>
               <a:buChar char="•"/>
             </a:pPr>
@@ -5641,63 +5652,17 @@
               </a:rPr>
               <a:t>View</a:t>
             </a:r>
-            <a:r>
-              <a:rPr lang="zh-CN" altLang="en-US" sz="1600" dirty="0" smtClean="0">
-                <a:solidFill>
-                  <a:schemeClr val="accent2">
-                    <a:lumMod val="50000"/>
-                  </a:schemeClr>
-                </a:solidFill>
-                <a:effectLst/>
-                <a:latin typeface="微软雅黑" panose="020B0503020204020204" pitchFamily="34" charset="-122"/>
-                <a:ea typeface="微软雅黑" panose="020B0503020204020204" pitchFamily="34" charset="-122"/>
-              </a:rPr>
-              <a:t>，对</a:t>
-            </a:r>
-            <a:r>
-              <a:rPr lang="en-US" altLang="zh-CN" sz="1600" dirty="0" smtClean="0">
-                <a:solidFill>
-                  <a:schemeClr val="accent2">
-                    <a:lumMod val="50000"/>
-                  </a:schemeClr>
-                </a:solidFill>
-                <a:effectLst/>
-                <a:latin typeface="微软雅黑" panose="020B0503020204020204" pitchFamily="34" charset="-122"/>
-                <a:ea typeface="微软雅黑" panose="020B0503020204020204" pitchFamily="34" charset="-122"/>
-              </a:rPr>
-              <a:t>View</a:t>
-            </a:r>
-            <a:r>
-              <a:rPr lang="zh-CN" altLang="en-US" sz="1600" dirty="0" smtClean="0">
-                <a:solidFill>
-                  <a:schemeClr val="accent2">
-                    <a:lumMod val="50000"/>
-                  </a:schemeClr>
-                </a:solidFill>
-                <a:effectLst/>
-                <a:latin typeface="微软雅黑" panose="020B0503020204020204" pitchFamily="34" charset="-122"/>
-                <a:ea typeface="微软雅黑" panose="020B0503020204020204" pitchFamily="34" charset="-122"/>
-              </a:rPr>
-              <a:t>无知</a:t>
-            </a:r>
-            <a:endParaRPr lang="en-US" altLang="zh-CN" sz="1600" dirty="0" smtClean="0">
-              <a:solidFill>
-                <a:schemeClr val="accent2">
-                  <a:lumMod val="50000"/>
-                </a:schemeClr>
-              </a:solidFill>
-              <a:effectLst/>
-              <a:latin typeface="微软雅黑" panose="020B0503020204020204" pitchFamily="34" charset="-122"/>
-              <a:ea typeface="微软雅黑" panose="020B0503020204020204" pitchFamily="34" charset="-122"/>
-            </a:endParaRPr>
           </a:p>
           <a:p>
             <a:pPr marL="285750" indent="-285750">
+              <a:lnSpc>
+                <a:spcPct val="150000"/>
+              </a:lnSpc>
               <a:buFont typeface="Arial" panose="020B0604020202020204" pitchFamily="34" charset="0"/>
               <a:buChar char="•"/>
             </a:pPr>
             <a:r>
-              <a:rPr lang="en-US" altLang="zh-CN" sz="1600" dirty="0" smtClean="0">
+              <a:rPr lang="zh-CN" altLang="en-US" sz="1600" dirty="0" smtClean="0">
                 <a:solidFill>
                   <a:schemeClr val="accent2">
                     <a:lumMod val="50000"/>
@@ -5707,46 +5672,7 @@
                 <a:latin typeface="微软雅黑" panose="020B0503020204020204" pitchFamily="34" charset="-122"/>
                 <a:ea typeface="微软雅黑" panose="020B0503020204020204" pitchFamily="34" charset="-122"/>
               </a:rPr>
-              <a:t>View</a:t>
-            </a:r>
-            <a:r>
-              <a:rPr lang="zh-CN" altLang="en-US" sz="1600" dirty="0" smtClean="0">
-                <a:solidFill>
-                  <a:schemeClr val="accent2">
-                    <a:lumMod val="50000"/>
-                  </a:schemeClr>
-                </a:solidFill>
-                <a:effectLst/>
-                <a:latin typeface="微软雅黑" panose="020B0503020204020204" pitchFamily="34" charset="-122"/>
-                <a:ea typeface="微软雅黑" panose="020B0503020204020204" pitchFamily="34" charset="-122"/>
-              </a:rPr>
-              <a:t>和</a:t>
-            </a:r>
-            <a:r>
-              <a:rPr lang="en-US" altLang="zh-CN" sz="1600" dirty="0" smtClean="0">
-                <a:solidFill>
-                  <a:schemeClr val="accent2">
-                    <a:lumMod val="50000"/>
-                  </a:schemeClr>
-                </a:solidFill>
-                <a:effectLst/>
-                <a:latin typeface="微软雅黑" panose="020B0503020204020204" pitchFamily="34" charset="-122"/>
-                <a:ea typeface="微软雅黑" panose="020B0503020204020204" pitchFamily="34" charset="-122"/>
-              </a:rPr>
-              <a:t>Model</a:t>
-            </a:r>
-            <a:r>
-              <a:rPr lang="zh-CN" altLang="en-US" sz="1600" dirty="0" smtClean="0">
-                <a:solidFill>
-                  <a:schemeClr val="accent2">
-                    <a:lumMod val="50000"/>
-                  </a:schemeClr>
-                </a:solidFill>
-                <a:effectLst/>
-                <a:latin typeface="微软雅黑" panose="020B0503020204020204" pitchFamily="34" charset="-122"/>
-                <a:ea typeface="微软雅黑" panose="020B0503020204020204" pitchFamily="34" charset="-122"/>
-              </a:rPr>
-              <a:t>通过观察者模式实现消息同步，由</a:t>
+              <a:t>由</a:t>
             </a:r>
             <a:r>
               <a:rPr lang="en-US" altLang="zh-CN" sz="1600" dirty="0" smtClean="0">
@@ -5845,8 +5771,8 @@
         </p:nvSpPr>
         <p:spPr>
           <a:xfrm>
-            <a:off x="5087888" y="1412776"/>
-            <a:ext cx="6672064" cy="1077218"/>
+            <a:off x="5519936" y="1052735"/>
+            <a:ext cx="5328592" cy="1569660"/>
           </a:xfrm>
           <a:prstGeom prst="rect">
             <a:avLst/>
@@ -5858,6 +5784,11 @@
           </a:bodyPr>
           <a:lstStyle/>
           <a:p>
+            <a:pPr>
+              <a:lnSpc>
+                <a:spcPct val="150000"/>
+              </a:lnSpc>
+            </a:pPr>
             <a:r>
               <a:rPr lang="en-US" altLang="zh-CN" sz="1600" dirty="0" smtClean="0">
                 <a:solidFill>
@@ -5874,6 +5805,9 @@
           </a:p>
           <a:p>
             <a:pPr marL="285750" indent="-285750">
+              <a:lnSpc>
+                <a:spcPct val="150000"/>
+              </a:lnSpc>
               <a:buFont typeface="Arial" panose="020B0604020202020204" pitchFamily="34" charset="0"/>
               <a:buChar char="•"/>
             </a:pPr>
@@ -5942,6 +5876,9 @@
           </a:p>
           <a:p>
             <a:pPr marL="285750" indent="-285750">
+              <a:lnSpc>
+                <a:spcPct val="150000"/>
+              </a:lnSpc>
               <a:buFont typeface="Arial" panose="020B0604020202020204" pitchFamily="34" charset="0"/>
               <a:buChar char="•"/>
             </a:pPr>
@@ -6000,6 +5937,9 @@
           </a:p>
           <a:p>
             <a:pPr marL="285750" indent="-285750">
+              <a:lnSpc>
+                <a:spcPct val="150000"/>
+              </a:lnSpc>
               <a:buFont typeface="Arial" panose="020B0604020202020204" pitchFamily="34" charset="0"/>
               <a:buChar char="•"/>
             </a:pPr>
@@ -6076,8 +6016,8 @@
         </p:nvSpPr>
         <p:spPr>
           <a:xfrm>
-            <a:off x="5087888" y="4261571"/>
-            <a:ext cx="6672064" cy="1077218"/>
+            <a:off x="5519936" y="4509119"/>
+            <a:ext cx="5760640" cy="1569660"/>
           </a:xfrm>
           <a:prstGeom prst="rect">
             <a:avLst/>
@@ -6089,6 +6029,11 @@
           </a:bodyPr>
           <a:lstStyle/>
           <a:p>
+            <a:pPr>
+              <a:lnSpc>
+                <a:spcPct val="150000"/>
+              </a:lnSpc>
+            </a:pPr>
             <a:r>
               <a:rPr lang="en-US" altLang="zh-CN" sz="1600" dirty="0" smtClean="0">
                 <a:solidFill>
@@ -6128,6 +6073,9 @@
           </a:p>
           <a:p>
             <a:pPr marL="285750" indent="-285750">
+              <a:lnSpc>
+                <a:spcPct val="150000"/>
+              </a:lnSpc>
               <a:buFont typeface="Arial" panose="020B0604020202020204" pitchFamily="34" charset="0"/>
               <a:buChar char="•"/>
             </a:pPr>
@@ -6235,6 +6183,9 @@
           </a:p>
           <a:p>
             <a:pPr marL="285750" indent="-285750">
+              <a:lnSpc>
+                <a:spcPct val="150000"/>
+              </a:lnSpc>
               <a:buFont typeface="Arial" panose="020B0604020202020204" pitchFamily="34" charset="0"/>
               <a:buChar char="•"/>
             </a:pPr>
@@ -6355,6 +6306,9 @@
           </a:p>
           <a:p>
             <a:pPr marL="285750" indent="-285750">
+              <a:lnSpc>
+                <a:spcPct val="150000"/>
+              </a:lnSpc>
               <a:buFont typeface="Arial" panose="020B0604020202020204" pitchFamily="34" charset="0"/>
               <a:buChar char="•"/>
             </a:pPr>
@@ -8976,7 +8930,7 @@
         <p:spPr>
           <a:xfrm>
             <a:off x="300249" y="836712"/>
-            <a:ext cx="11655190" cy="1569660"/>
+            <a:ext cx="11655190" cy="1938992"/>
           </a:xfrm>
           <a:prstGeom prst="rect">
             <a:avLst/>
@@ -9262,6 +9216,66 @@
               <a:ea typeface="微软雅黑" panose="020B0503020204020204" pitchFamily="34" charset="-122"/>
             </a:endParaRPr>
           </a:p>
+          <a:p>
+            <a:pPr marL="285750" indent="-285750">
+              <a:lnSpc>
+                <a:spcPct val="150000"/>
+              </a:lnSpc>
+              <a:buFont typeface="Arial" panose="020B0604020202020204" pitchFamily="34" charset="0"/>
+              <a:buChar char="•"/>
+            </a:pPr>
+            <a:r>
+              <a:rPr lang="zh-CN" altLang="en-US" sz="1600" dirty="0" smtClean="0">
+                <a:solidFill>
+                  <a:schemeClr val="bg2">
+                    <a:lumMod val="25000"/>
+                  </a:schemeClr>
+                </a:solidFill>
+                <a:latin typeface="微软雅黑" panose="020B0503020204020204" pitchFamily="34" charset="-122"/>
+                <a:ea typeface="微软雅黑" panose="020B0503020204020204" pitchFamily="34" charset="-122"/>
+              </a:rPr>
+              <a:t>它的两个核心点：</a:t>
+            </a:r>
+            <a:r>
+              <a:rPr lang="zh-CN" altLang="en-US" sz="1600" dirty="0" smtClean="0">
+                <a:solidFill>
+                  <a:srgbClr val="FF0000"/>
+                </a:solidFill>
+                <a:latin typeface="微软雅黑" panose="020B0503020204020204" pitchFamily="34" charset="-122"/>
+                <a:ea typeface="微软雅黑" panose="020B0503020204020204" pitchFamily="34" charset="-122"/>
+              </a:rPr>
+              <a:t>数据绑定</a:t>
+            </a:r>
+            <a:r>
+              <a:rPr lang="zh-CN" altLang="en-US" sz="1600" dirty="0" smtClean="0">
+                <a:solidFill>
+                  <a:schemeClr val="bg2">
+                    <a:lumMod val="25000"/>
+                  </a:schemeClr>
+                </a:solidFill>
+                <a:latin typeface="微软雅黑" panose="020B0503020204020204" pitchFamily="34" charset="-122"/>
+                <a:ea typeface="微软雅黑" panose="020B0503020204020204" pitchFamily="34" charset="-122"/>
+              </a:rPr>
+              <a:t>和</a:t>
+            </a:r>
+            <a:r>
+              <a:rPr lang="zh-CN" altLang="en-US" sz="1600" dirty="0" smtClean="0">
+                <a:solidFill>
+                  <a:srgbClr val="FF0000"/>
+                </a:solidFill>
+                <a:latin typeface="微软雅黑" panose="020B0503020204020204" pitchFamily="34" charset="-122"/>
+                <a:ea typeface="微软雅黑" panose="020B0503020204020204" pitchFamily="34" charset="-122"/>
+              </a:rPr>
+              <a:t>组件</a:t>
+            </a:r>
+            <a:endParaRPr lang="en-US" altLang="zh-CN" sz="1600" dirty="0" smtClean="0">
+              <a:solidFill>
+                <a:srgbClr val="FF0000"/>
+              </a:solidFill>
+              <a:latin typeface="微软雅黑" panose="020B0503020204020204" pitchFamily="34" charset="-122"/>
+              <a:ea typeface="微软雅黑" panose="020B0503020204020204" pitchFamily="34" charset="-122"/>
+            </a:endParaRPr>
+          </a:p>
         </p:txBody>
       </p:sp>
       <p:sp>
@@ -9272,7 +9286,7 @@
         </p:nvSpPr>
         <p:spPr>
           <a:xfrm>
-            <a:off x="278882" y="5108991"/>
+            <a:off x="278882" y="5253007"/>
             <a:ext cx="11655189" cy="1200329"/>
           </a:xfrm>
           <a:prstGeom prst="rect">
@@ -9380,7 +9394,7 @@
         </p:nvSpPr>
         <p:spPr>
           <a:xfrm>
-            <a:off x="278883" y="2606499"/>
+            <a:off x="278883" y="2848868"/>
             <a:ext cx="11655189" cy="2308324"/>
           </a:xfrm>
           <a:prstGeom prst="rect">
@@ -9696,7 +9710,7 @@
                 <a:latin typeface="微软雅黑" panose="020B0503020204020204" pitchFamily="34" charset="-122"/>
                 <a:ea typeface="微软雅黑" panose="020B0503020204020204" pitchFamily="34" charset="-122"/>
               </a:rPr>
-              <a:t>这就是渐进式的概念，渐进式可以理解为嵌入自由度的表现</a:t>
+              <a:t>渐进式可以理解为嵌入自由度的表现</a:t>
             </a:r>
             <a:endParaRPr lang="zh-CN" altLang="en-US" sz="1600" dirty="0">
               <a:solidFill>
@@ -11355,7 +11369,7 @@
         </p:nvSpPr>
         <p:spPr>
           <a:xfrm>
-            <a:off x="479376" y="2315827"/>
+            <a:off x="479376" y="2348881"/>
             <a:ext cx="3534209" cy="1200329"/>
           </a:xfrm>
           <a:prstGeom prst="rect">
@@ -11509,7 +11523,7 @@
         </p:nvSpPr>
         <p:spPr>
           <a:xfrm>
-            <a:off x="479376" y="3717217"/>
+            <a:off x="479376" y="3750271"/>
             <a:ext cx="3534210" cy="2585323"/>
           </a:xfrm>
           <a:prstGeom prst="rect">
@@ -11764,7 +11778,7 @@
         <p:spPr bwMode="auto">
           <a:xfrm>
             <a:off x="479376" y="899840"/>
-            <a:ext cx="6698950" cy="553998"/>
+            <a:ext cx="7601505" cy="553998"/>
           </a:xfrm>
           <a:prstGeom prst="rect">
             <a:avLst/>
@@ -11785,9 +11799,6 @@
           <a:lstStyle/>
           <a:p>
             <a:pPr marL="0" marR="0" lvl="0" indent="0" algn="l" defTabSz="914400" rtl="0" eaLnBrk="0" fontAlgn="base" latinLnBrk="0" hangingPunct="0">
-              <a:lnSpc>
-                <a:spcPct val="100000"/>
-              </a:lnSpc>
               <a:spcBef>
                 <a:spcPct val="0"/>
               </a:spcBef>
@@ -11809,8 +11820,8 @@
                   <a:srgbClr val="0000FF"/>
                 </a:solidFill>
                 <a:effectLst/>
-                <a:latin typeface="Arial Unicode MS" panose="020B0604020202020204" pitchFamily="34" charset="-122"/>
-                <a:ea typeface="Roboto Mono"/>
+                <a:latin typeface="微软雅黑" panose="020B0503020204020204" pitchFamily="34" charset="-122"/>
+                <a:ea typeface="微软雅黑" panose="020B0503020204020204" pitchFamily="34" charset="-122"/>
               </a:rPr>
               <a:t>&lt;!-- </a:t>
             </a:r>
@@ -11823,8 +11834,8 @@
                   <a:srgbClr val="0000FF"/>
                 </a:solidFill>
                 <a:effectLst/>
-                <a:latin typeface="Arial Unicode MS" panose="020B0604020202020204" pitchFamily="34" charset="-122"/>
-                <a:ea typeface="Roboto Mono"/>
+                <a:latin typeface="微软雅黑" panose="020B0503020204020204" pitchFamily="34" charset="-122"/>
+                <a:ea typeface="微软雅黑" panose="020B0503020204020204" pitchFamily="34" charset="-122"/>
               </a:rPr>
               <a:t>开发环境版本，包含了有帮助的命令行警告 </a:t>
             </a:r>
@@ -11837,8 +11848,8 @@
                   <a:srgbClr val="0000FF"/>
                 </a:solidFill>
                 <a:effectLst/>
-                <a:latin typeface="Arial Unicode MS" panose="020B0604020202020204" pitchFamily="34" charset="-122"/>
-                <a:ea typeface="Roboto Mono"/>
+                <a:latin typeface="微软雅黑" panose="020B0503020204020204" pitchFamily="34" charset="-122"/>
+                <a:ea typeface="微软雅黑" panose="020B0503020204020204" pitchFamily="34" charset="-122"/>
               </a:rPr>
               <a:t>--&gt;</a:t>
             </a:r>
@@ -11851,8 +11862,8 @@
                   <a:srgbClr val="525252"/>
                 </a:solidFill>
                 <a:effectLst/>
-                <a:latin typeface="Arial Unicode MS" panose="020B0604020202020204" pitchFamily="34" charset="-122"/>
-                <a:ea typeface="Roboto Mono"/>
+                <a:latin typeface="微软雅黑" panose="020B0503020204020204" pitchFamily="34" charset="-122"/>
+                <a:ea typeface="微软雅黑" panose="020B0503020204020204" pitchFamily="34" charset="-122"/>
               </a:rPr>
               <a:t/>
             </a:r>
@@ -11865,8 +11876,8 @@
                   <a:srgbClr val="525252"/>
                 </a:solidFill>
                 <a:effectLst/>
-                <a:latin typeface="Arial Unicode MS" panose="020B0604020202020204" pitchFamily="34" charset="-122"/>
-                <a:ea typeface="Roboto Mono"/>
+                <a:latin typeface="微软雅黑" panose="020B0503020204020204" pitchFamily="34" charset="-122"/>
+                <a:ea typeface="微软雅黑" panose="020B0503020204020204" pitchFamily="34" charset="-122"/>
               </a:rPr>
             </a:br>
             <a:r>
@@ -11875,64 +11886,17 @@
                   <a:noFill/>
                 </a:ln>
                 <a:solidFill>
-                  <a:srgbClr val="2973B7"/>
+                  <a:schemeClr val="tx1">
+                    <a:lumMod val="50000"/>
+                    <a:lumOff val="50000"/>
+                  </a:schemeClr>
                 </a:solidFill>
                 <a:effectLst/>
-                <a:latin typeface="Arial Unicode MS" panose="020B0604020202020204" pitchFamily="34" charset="-122"/>
-                <a:ea typeface="Roboto Mono"/>
-              </a:rPr>
-              <a:t>&lt;script src=</a:t>
-            </a:r>
-            <a:r>
-              <a:rPr kumimoji="0" lang="zh-CN" altLang="zh-CN" b="0" i="0" u="none" strike="noStrike" cap="none" normalizeH="0" baseline="0" dirty="0" smtClean="0">
-                <a:ln>
-                  <a:noFill/>
-                </a:ln>
-                <a:solidFill>
-                  <a:srgbClr val="42B983"/>
-                </a:solidFill>
-                <a:effectLst/>
-                <a:latin typeface="Arial Unicode MS" panose="020B0604020202020204" pitchFamily="34" charset="-122"/>
-                <a:ea typeface="Roboto Mono"/>
-              </a:rPr>
-              <a:t>"https://cdn.jsdelivr.net/npm/vue/dist/vue.js"</a:t>
-            </a:r>
-            <a:r>
-              <a:rPr kumimoji="0" lang="zh-CN" altLang="zh-CN" b="0" i="0" u="none" strike="noStrike" cap="none" normalizeH="0" baseline="0" dirty="0" smtClean="0">
-                <a:ln>
-                  <a:noFill/>
-                </a:ln>
-                <a:solidFill>
-                  <a:srgbClr val="2973B7"/>
-                </a:solidFill>
-                <a:effectLst/>
-                <a:latin typeface="Arial Unicode MS" panose="020B0604020202020204" pitchFamily="34" charset="-122"/>
-                <a:ea typeface="Roboto Mono"/>
-              </a:rPr>
-              <a:t>&gt;&lt;/script&gt;</a:t>
-            </a:r>
-            <a:r>
-              <a:rPr kumimoji="0" lang="zh-CN" altLang="zh-CN" b="0" i="0" u="none" strike="noStrike" cap="none" normalizeH="0" baseline="0" dirty="0" smtClean="0">
-                <a:ln>
-                  <a:noFill/>
-                </a:ln>
-                <a:solidFill>
-                  <a:schemeClr val="tx1"/>
-                </a:solidFill>
-                <a:effectLst/>
-              </a:rPr>
-              <a:t> </a:t>
-            </a:r>
-            <a:endParaRPr kumimoji="0" lang="zh-CN" altLang="zh-CN" b="0" i="0" u="none" strike="noStrike" cap="none" normalizeH="0" baseline="0" dirty="0" smtClean="0">
-              <a:ln>
-                <a:noFill/>
-              </a:ln>
-              <a:solidFill>
-                <a:schemeClr val="tx1"/>
-              </a:solidFill>
-              <a:effectLst/>
-              <a:latin typeface="Arial" panose="020B0604020202020204" pitchFamily="34" charset="0"/>
-            </a:endParaRPr>
+                <a:latin typeface="微软雅黑" panose="020B0503020204020204" pitchFamily="34" charset="-122"/>
+                <a:ea typeface="微软雅黑" panose="020B0503020204020204" pitchFamily="34" charset="-122"/>
+              </a:rPr>
+              <a:t>&lt;script src="https://cdn.jsdelivr.net/npm/vue/dist/vue.js"&gt;&lt;/script&gt; </a:t>
+            </a:r>
           </a:p>
         </p:txBody>
       </p:sp>
@@ -11946,7 +11910,7 @@
         </p:nvSpPr>
         <p:spPr bwMode="auto">
           <a:xfrm>
-            <a:off x="479376" y="1578858"/>
+            <a:off x="477761" y="1615596"/>
             <a:ext cx="6698950" cy="553998"/>
           </a:xfrm>
           <a:prstGeom prst="rect">
@@ -11968,9 +11932,6 @@
           <a:lstStyle/>
           <a:p>
             <a:pPr marL="0" marR="0" lvl="0" indent="0" algn="l" defTabSz="914400" rtl="0" eaLnBrk="0" fontAlgn="base" latinLnBrk="0" hangingPunct="0">
-              <a:lnSpc>
-                <a:spcPct val="100000"/>
-              </a:lnSpc>
               <a:spcBef>
                 <a:spcPct val="0"/>
               </a:spcBef>
@@ -11992,8 +11953,8 @@
                   <a:srgbClr val="0000FF"/>
                 </a:solidFill>
                 <a:effectLst/>
-                <a:latin typeface="Arial Unicode MS" panose="020B0604020202020204" pitchFamily="34" charset="-122"/>
-                <a:ea typeface="Roboto Mono"/>
+                <a:latin typeface="微软雅黑" panose="020B0503020204020204" pitchFamily="34" charset="-122"/>
+                <a:ea typeface="微软雅黑" panose="020B0503020204020204" pitchFamily="34" charset="-122"/>
               </a:rPr>
               <a:t>&lt;!-- </a:t>
             </a:r>
@@ -12006,8 +11967,8 @@
                   <a:srgbClr val="0000FF"/>
                 </a:solidFill>
                 <a:effectLst/>
-                <a:latin typeface="Arial Unicode MS" panose="020B0604020202020204" pitchFamily="34" charset="-122"/>
-                <a:ea typeface="Roboto Mono"/>
+                <a:latin typeface="微软雅黑" panose="020B0503020204020204" pitchFamily="34" charset="-122"/>
+                <a:ea typeface="微软雅黑" panose="020B0503020204020204" pitchFamily="34" charset="-122"/>
               </a:rPr>
               <a:t>生产环境版本，优化了尺寸和速度 </a:t>
             </a:r>
@@ -12020,8 +11981,8 @@
                   <a:srgbClr val="0000FF"/>
                 </a:solidFill>
                 <a:effectLst/>
-                <a:latin typeface="Arial Unicode MS" panose="020B0604020202020204" pitchFamily="34" charset="-122"/>
-                <a:ea typeface="Roboto Mono"/>
+                <a:latin typeface="微软雅黑" panose="020B0503020204020204" pitchFamily="34" charset="-122"/>
+                <a:ea typeface="微软雅黑" panose="020B0503020204020204" pitchFamily="34" charset="-122"/>
               </a:rPr>
               <a:t>--&gt;</a:t>
             </a:r>
@@ -12034,8 +11995,8 @@
                   <a:srgbClr val="525252"/>
                 </a:solidFill>
                 <a:effectLst/>
-                <a:latin typeface="Arial Unicode MS" panose="020B0604020202020204" pitchFamily="34" charset="-122"/>
-                <a:ea typeface="Roboto Mono"/>
+                <a:latin typeface="微软雅黑" panose="020B0503020204020204" pitchFamily="34" charset="-122"/>
+                <a:ea typeface="微软雅黑" panose="020B0503020204020204" pitchFamily="34" charset="-122"/>
               </a:rPr>
               <a:t/>
             </a:r>
@@ -12048,8 +12009,8 @@
                   <a:srgbClr val="525252"/>
                 </a:solidFill>
                 <a:effectLst/>
-                <a:latin typeface="Arial Unicode MS" panose="020B0604020202020204" pitchFamily="34" charset="-122"/>
-                <a:ea typeface="Roboto Mono"/>
+                <a:latin typeface="微软雅黑" panose="020B0503020204020204" pitchFamily="34" charset="-122"/>
+                <a:ea typeface="微软雅黑" panose="020B0503020204020204" pitchFamily="34" charset="-122"/>
               </a:rPr>
             </a:br>
             <a:r>
@@ -12058,64 +12019,17 @@
                   <a:noFill/>
                 </a:ln>
                 <a:solidFill>
-                  <a:srgbClr val="2973B7"/>
+                  <a:schemeClr val="tx1">
+                    <a:lumMod val="50000"/>
+                    <a:lumOff val="50000"/>
+                  </a:schemeClr>
                 </a:solidFill>
                 <a:effectLst/>
-                <a:latin typeface="Arial Unicode MS" panose="020B0604020202020204" pitchFamily="34" charset="-122"/>
-                <a:ea typeface="Roboto Mono"/>
-              </a:rPr>
-              <a:t>&lt;script src=</a:t>
-            </a:r>
-            <a:r>
-              <a:rPr kumimoji="0" lang="zh-CN" altLang="zh-CN" b="0" i="0" u="none" strike="noStrike" cap="none" normalizeH="0" baseline="0" dirty="0" smtClean="0">
-                <a:ln>
-                  <a:noFill/>
-                </a:ln>
-                <a:solidFill>
-                  <a:srgbClr val="42B983"/>
-                </a:solidFill>
-                <a:effectLst/>
-                <a:latin typeface="Arial Unicode MS" panose="020B0604020202020204" pitchFamily="34" charset="-122"/>
-                <a:ea typeface="Roboto Mono"/>
-              </a:rPr>
-              <a:t>"https://cdn.jsdelivr.net/npm/vue"</a:t>
-            </a:r>
-            <a:r>
-              <a:rPr kumimoji="0" lang="zh-CN" altLang="zh-CN" b="0" i="0" u="none" strike="noStrike" cap="none" normalizeH="0" baseline="0" dirty="0" smtClean="0">
-                <a:ln>
-                  <a:noFill/>
-                </a:ln>
-                <a:solidFill>
-                  <a:srgbClr val="2973B7"/>
-                </a:solidFill>
-                <a:effectLst/>
-                <a:latin typeface="Arial Unicode MS" panose="020B0604020202020204" pitchFamily="34" charset="-122"/>
-                <a:ea typeface="Roboto Mono"/>
-              </a:rPr>
-              <a:t>&gt;&lt;/script&gt;</a:t>
-            </a:r>
-            <a:r>
-              <a:rPr kumimoji="0" lang="zh-CN" altLang="zh-CN" b="0" i="0" u="none" strike="noStrike" cap="none" normalizeH="0" baseline="0" dirty="0" smtClean="0">
-                <a:ln>
-                  <a:noFill/>
-                </a:ln>
-                <a:solidFill>
-                  <a:schemeClr val="tx1"/>
-                </a:solidFill>
-                <a:effectLst/>
-              </a:rPr>
-              <a:t> </a:t>
-            </a:r>
-            <a:endParaRPr kumimoji="0" lang="zh-CN" altLang="zh-CN" b="0" i="0" u="none" strike="noStrike" cap="none" normalizeH="0" baseline="0" dirty="0" smtClean="0">
-              <a:ln>
-                <a:noFill/>
-              </a:ln>
-              <a:solidFill>
-                <a:schemeClr val="tx1"/>
-              </a:solidFill>
-              <a:effectLst/>
-              <a:latin typeface="Arial" panose="020B0604020202020204" pitchFamily="34" charset="0"/>
-            </a:endParaRPr>
+                <a:latin typeface="微软雅黑" panose="020B0503020204020204" pitchFamily="34" charset="-122"/>
+                <a:ea typeface="微软雅黑" panose="020B0503020204020204" pitchFamily="34" charset="-122"/>
+              </a:rPr>
+              <a:t>&lt;script src="https://cdn.jsdelivr.net/npm/vue"&gt;&lt;/script&gt; </a:t>
+            </a:r>
           </a:p>
         </p:txBody>
       </p:sp>
@@ -12127,7 +12041,7 @@
         </p:nvSpPr>
         <p:spPr>
           <a:xfrm>
-            <a:off x="4193841" y="2315826"/>
+            <a:off x="4193841" y="2348880"/>
             <a:ext cx="3635029" cy="1200329"/>
           </a:xfrm>
           <a:prstGeom prst="rect">
@@ -12301,7 +12215,7 @@
         </p:nvSpPr>
         <p:spPr>
           <a:xfrm>
-            <a:off x="4193841" y="3723997"/>
+            <a:off x="4193841" y="3757051"/>
             <a:ext cx="3635029" cy="2585323"/>
           </a:xfrm>
           <a:prstGeom prst="rect">
@@ -12553,7 +12467,7 @@
         </p:nvSpPr>
         <p:spPr>
           <a:xfrm>
-            <a:off x="8009125" y="3717216"/>
+            <a:off x="8009125" y="3750270"/>
             <a:ext cx="3595169" cy="2585323"/>
           </a:xfrm>
           <a:prstGeom prst="rect">
@@ -12816,7 +12730,7 @@
         </p:nvSpPr>
         <p:spPr>
           <a:xfrm>
-            <a:off x="8009124" y="2315826"/>
+            <a:off x="8009124" y="2348880"/>
             <a:ext cx="3595169" cy="1200329"/>
           </a:xfrm>
           <a:prstGeom prst="rect">
@@ -13741,7 +13655,10 @@
           <a:lstStyle/>
           <a:p>
             <a:pPr algn="ctr"/>
-            <a:endParaRPr lang="en-US"/>
+            <a:endParaRPr lang="en-US" dirty="0">
+              <a:latin typeface="微软雅黑" panose="020B0503020204020204" pitchFamily="34" charset="-122"/>
+              <a:ea typeface="微软雅黑" panose="020B0503020204020204" pitchFamily="34" charset="-122"/>
+            </a:endParaRPr>
           </a:p>
         </p:txBody>
       </p:sp>
@@ -13887,7 +13804,10 @@
           <a:lstStyle/>
           <a:p>
             <a:pPr algn="ctr"/>
-            <a:endParaRPr lang="en-US"/>
+            <a:endParaRPr lang="en-US" dirty="0">
+              <a:latin typeface="微软雅黑" panose="020B0503020204020204" pitchFamily="34" charset="-122"/>
+              <a:ea typeface="微软雅黑" panose="020B0503020204020204" pitchFamily="34" charset="-122"/>
+            </a:endParaRPr>
           </a:p>
         </p:txBody>
       </p:sp>
@@ -14061,7 +13981,10 @@
           <a:lstStyle/>
           <a:p>
             <a:pPr algn="ctr"/>
-            <a:endParaRPr lang="en-US"/>
+            <a:endParaRPr lang="en-US" dirty="0">
+              <a:latin typeface="微软雅黑" panose="020B0503020204020204" pitchFamily="34" charset="-122"/>
+              <a:ea typeface="微软雅黑" panose="020B0503020204020204" pitchFamily="34" charset="-122"/>
+            </a:endParaRPr>
           </a:p>
         </p:txBody>
       </p:sp>
@@ -14712,7 +14635,27 @@
                 <a:latin typeface="微软雅黑" panose="020B0503020204020204" pitchFamily="34" charset="-122"/>
                 <a:ea typeface="微软雅黑" panose="020B0503020204020204" pitchFamily="34" charset="-122"/>
               </a:rPr>
-              <a:t>能</a:t>
+              <a:t>能将</a:t>
+            </a:r>
+            <a:r>
+              <a:rPr lang="en-US" altLang="zh-CN" sz="2000" b="1" dirty="0" err="1">
+                <a:solidFill>
+                  <a:srgbClr val="0070C0"/>
+                </a:solidFill>
+                <a:latin typeface="微软雅黑" panose="020B0503020204020204" pitchFamily="34" charset="-122"/>
+                <a:ea typeface="微软雅黑" panose="020B0503020204020204" pitchFamily="34" charset="-122"/>
+              </a:rPr>
+              <a:t>Vue</a:t>
+            </a:r>
+            <a:r>
+              <a:rPr lang="zh-CN" altLang="en-US" sz="2000" b="1" dirty="0" smtClean="0">
+                <a:solidFill>
+                  <a:srgbClr val="0070C0"/>
+                </a:solidFill>
+                <a:latin typeface="微软雅黑" panose="020B0503020204020204" pitchFamily="34" charset="-122"/>
+                <a:ea typeface="微软雅黑" panose="020B0503020204020204" pitchFamily="34" charset="-122"/>
+              </a:rPr>
+              <a:t>框架应用到具体项目</a:t>
             </a:r>
             <a:r>
               <a:rPr lang="zh-CN" altLang="en-US" sz="2000" b="1" dirty="0">
@@ -14722,27 +14665,7 @@
                 <a:latin typeface="微软雅黑" panose="020B0503020204020204" pitchFamily="34" charset="-122"/>
                 <a:ea typeface="微软雅黑" panose="020B0503020204020204" pitchFamily="34" charset="-122"/>
               </a:rPr>
-              <a:t>轻松将</a:t>
-            </a:r>
-            <a:r>
-              <a:rPr lang="en-US" altLang="zh-CN" sz="2000" b="1" dirty="0" err="1">
-                <a:solidFill>
-                  <a:srgbClr val="0070C0"/>
-                </a:solidFill>
-                <a:latin typeface="微软雅黑" panose="020B0503020204020204" pitchFamily="34" charset="-122"/>
-                <a:ea typeface="微软雅黑" panose="020B0503020204020204" pitchFamily="34" charset="-122"/>
-              </a:rPr>
-              <a:t>Vue</a:t>
-            </a:r>
-            <a:r>
-              <a:rPr lang="zh-CN" altLang="en-US" sz="2000" b="1" dirty="0">
-                <a:solidFill>
-                  <a:srgbClr val="0070C0"/>
-                </a:solidFill>
-                <a:latin typeface="微软雅黑" panose="020B0503020204020204" pitchFamily="34" charset="-122"/>
-                <a:ea typeface="微软雅黑" panose="020B0503020204020204" pitchFamily="34" charset="-122"/>
-              </a:rPr>
-              <a:t>框架植入项目开发过程中</a:t>
+              <a:t>开发过程中</a:t>
             </a:r>
             <a:endParaRPr lang="en-US" altLang="zh-CN" sz="2000" b="1" dirty="0">
               <a:solidFill>
@@ -15239,7 +15162,10 @@
           <a:lstStyle/>
           <a:p>
             <a:pPr algn="ctr"/>
-            <a:endParaRPr lang="en-US"/>
+            <a:endParaRPr lang="en-US">
+              <a:latin typeface="微软雅黑" panose="020B0503020204020204" pitchFamily="34" charset="-122"/>
+              <a:ea typeface="微软雅黑" panose="020B0503020204020204" pitchFamily="34" charset="-122"/>
+            </a:endParaRPr>
           </a:p>
         </p:txBody>
       </p:sp>
@@ -15360,7 +15286,10 @@
           <a:lstStyle/>
           <a:p>
             <a:pPr algn="ctr"/>
-            <a:endParaRPr lang="en-US"/>
+            <a:endParaRPr lang="en-US">
+              <a:latin typeface="微软雅黑" panose="020B0503020204020204" pitchFamily="34" charset="-122"/>
+              <a:ea typeface="微软雅黑" panose="020B0503020204020204" pitchFamily="34" charset="-122"/>
+            </a:endParaRPr>
           </a:p>
         </p:txBody>
       </p:sp>
@@ -15879,7 +15808,10 @@
           <a:lstStyle/>
           <a:p>
             <a:pPr algn="ctr"/>
-            <a:endParaRPr lang="en-US"/>
+            <a:endParaRPr lang="en-US" dirty="0">
+              <a:latin typeface="微软雅黑" panose="020B0503020204020204" pitchFamily="34" charset="-122"/>
+              <a:ea typeface="微软雅黑" panose="020B0503020204020204" pitchFamily="34" charset="-122"/>
+            </a:endParaRPr>
           </a:p>
         </p:txBody>
       </p:sp>
@@ -16323,7 +16255,7 @@
         </p:nvSpPr>
         <p:spPr>
           <a:xfrm>
-            <a:off x="2207569" y="1915241"/>
+            <a:off x="3520728" y="1915241"/>
             <a:ext cx="6391696" cy="577655"/>
           </a:xfrm>
           <a:prstGeom prst="roundRect">
@@ -16359,7 +16291,10 @@
           <a:lstStyle/>
           <a:p>
             <a:pPr algn="ctr"/>
-            <a:endParaRPr lang="en-US"/>
+            <a:endParaRPr lang="en-US" dirty="0">
+              <a:latin typeface="微软雅黑" panose="020B0503020204020204" pitchFamily="34" charset="-122"/>
+              <a:ea typeface="微软雅黑" panose="020B0503020204020204" pitchFamily="34" charset="-122"/>
+            </a:endParaRPr>
           </a:p>
         </p:txBody>
       </p:sp>
@@ -16371,7 +16306,7 @@
         </p:nvSpPr>
         <p:spPr>
           <a:xfrm>
-            <a:off x="2207568" y="2048859"/>
+            <a:off x="3520727" y="2048859"/>
             <a:ext cx="3652302" cy="338554"/>
           </a:xfrm>
           <a:prstGeom prst="rect">
@@ -16389,11 +16324,15 @@
                 <a:solidFill>
                   <a:srgbClr val="34495E"/>
                 </a:solidFill>
-                <a:latin typeface="Source Sans Pro"/>
+                <a:latin typeface="微软雅黑" panose="020B0503020204020204" pitchFamily="34" charset="-122"/>
+                <a:ea typeface="微软雅黑" panose="020B0503020204020204" pitchFamily="34" charset="-122"/>
               </a:rPr>
               <a:t>循环遍历元素集合，并进行操作</a:t>
             </a:r>
-            <a:endParaRPr lang="zh-CN" altLang="en-US" sz="1600" dirty="0"/>
+            <a:endParaRPr lang="zh-CN" altLang="en-US" sz="1600" dirty="0">
+              <a:latin typeface="微软雅黑" panose="020B0503020204020204" pitchFamily="34" charset="-122"/>
+              <a:ea typeface="微软雅黑" panose="020B0503020204020204" pitchFamily="34" charset="-122"/>
+            </a:endParaRPr>
           </a:p>
         </p:txBody>
       </p:sp>
@@ -16413,7 +16352,7 @@
         </p:blipFill>
         <p:spPr>
           <a:xfrm>
-            <a:off x="6168008" y="2780928"/>
+            <a:off x="7481167" y="2780928"/>
             <a:ext cx="2431256" cy="2711355"/>
           </a:xfrm>
           <a:prstGeom prst="rect">
@@ -16455,7 +16394,7 @@
         </p:blipFill>
         <p:spPr>
           <a:xfrm>
-            <a:off x="2207568" y="2780928"/>
+            <a:off x="3520727" y="2780928"/>
             <a:ext cx="3628144" cy="2711355"/>
           </a:xfrm>
           <a:prstGeom prst="rect">
@@ -17166,8 +17105,8 @@
         </p:nvSpPr>
         <p:spPr>
           <a:xfrm>
-            <a:off x="2205826" y="1704471"/>
-            <a:ext cx="5186318" cy="856020"/>
+            <a:off x="2205826" y="1801384"/>
+            <a:ext cx="7634590" cy="856020"/>
           </a:xfrm>
           <a:prstGeom prst="roundRect">
             <a:avLst>
@@ -17214,7 +17153,7 @@
         </p:nvSpPr>
         <p:spPr>
           <a:xfrm>
-            <a:off x="2302514" y="1798152"/>
+            <a:off x="2302514" y="1895065"/>
             <a:ext cx="5017622" cy="338554"/>
           </a:xfrm>
           <a:prstGeom prst="rect">
@@ -17252,7 +17191,7 @@
         </p:nvSpPr>
         <p:spPr>
           <a:xfrm>
-            <a:off x="2304256" y="2139561"/>
+            <a:off x="2304256" y="2236474"/>
             <a:ext cx="5015880" cy="338554"/>
           </a:xfrm>
           <a:prstGeom prst="rect">
@@ -17402,7 +17341,7 @@
         </p:nvSpPr>
         <p:spPr>
           <a:xfrm>
-            <a:off x="2205826" y="4332527"/>
+            <a:off x="2214816" y="4321174"/>
             <a:ext cx="8786718" cy="752657"/>
           </a:xfrm>
           <a:prstGeom prst="roundRect">
@@ -17458,7 +17397,7 @@
         </p:blipFill>
         <p:spPr>
           <a:xfrm>
-            <a:off x="7969670" y="1196752"/>
+            <a:off x="9937104" y="1799592"/>
             <a:ext cx="1879544" cy="1792124"/>
           </a:xfrm>
           <a:prstGeom prst="rect">
@@ -18554,8 +18493,8 @@
         </p:nvSpPr>
         <p:spPr>
           <a:xfrm>
-            <a:off x="2205826" y="4530575"/>
-            <a:ext cx="9577456" cy="584775"/>
+            <a:off x="2205826" y="4556333"/>
+            <a:ext cx="9577456" cy="523220"/>
           </a:xfrm>
           <a:prstGeom prst="rect">
             <a:avLst/>
@@ -18568,7 +18507,7 @@
           <a:lstStyle/>
           <a:p>
             <a:r>
-              <a:rPr lang="en-US" altLang="zh-CN" sz="1600" b="1" dirty="0" smtClean="0">
+              <a:rPr lang="en-US" altLang="zh-CN" sz="1400" b="1" dirty="0" smtClean="0">
                 <a:solidFill>
                   <a:srgbClr val="C00000"/>
                 </a:solidFill>
@@ -18578,7 +18517,7 @@
               <a:t>.prevent</a:t>
             </a:r>
             <a:r>
-              <a:rPr lang="zh-CN" altLang="en-US" sz="1600" dirty="0" smtClean="0">
+              <a:rPr lang="zh-CN" altLang="en-US" sz="1400" dirty="0" smtClean="0">
                 <a:solidFill>
                   <a:srgbClr val="34495E"/>
                 </a:solidFill>
@@ -18588,7 +18527,7 @@
               <a:t>：取消事件的默认行为。如</a:t>
             </a:r>
             <a:r>
-              <a:rPr lang="en-US" altLang="zh-CN" sz="1600" dirty="0" smtClean="0">
+              <a:rPr lang="en-US" altLang="zh-CN" sz="1400" dirty="0" smtClean="0">
                 <a:solidFill>
                   <a:srgbClr val="34495E"/>
                 </a:solidFill>
@@ -18598,7 +18537,7 @@
               <a:t>a</a:t>
             </a:r>
             <a:r>
-              <a:rPr lang="zh-CN" altLang="en-US" sz="1600" dirty="0" smtClean="0">
+              <a:rPr lang="zh-CN" altLang="en-US" sz="1400" dirty="0" smtClean="0">
                 <a:solidFill>
                   <a:srgbClr val="34495E"/>
                 </a:solidFill>
@@ -18608,7 +18547,7 @@
               <a:t>标签的默认事件行为是当</a:t>
             </a:r>
             <a:r>
-              <a:rPr lang="en-US" altLang="zh-CN" sz="1600" dirty="0" smtClean="0">
+              <a:rPr lang="en-US" altLang="zh-CN" sz="1400" dirty="0" smtClean="0">
                 <a:solidFill>
                   <a:srgbClr val="34495E"/>
                 </a:solidFill>
@@ -18618,7 +18557,7 @@
               <a:t>click</a:t>
             </a:r>
             <a:r>
-              <a:rPr lang="zh-CN" altLang="en-US" sz="1600" dirty="0" smtClean="0">
+              <a:rPr lang="zh-CN" altLang="en-US" sz="1400" dirty="0" smtClean="0">
                 <a:solidFill>
                   <a:srgbClr val="34495E"/>
                 </a:solidFill>
@@ -18628,7 +18567,7 @@
               <a:t>时会跳转页面，再如</a:t>
             </a:r>
             <a:r>
-              <a:rPr lang="en-US" altLang="zh-CN" sz="1600" dirty="0" smtClean="0">
+              <a:rPr lang="en-US" altLang="zh-CN" sz="1400" dirty="0" smtClean="0">
                 <a:solidFill>
                   <a:srgbClr val="34495E"/>
                 </a:solidFill>
@@ -18638,7 +18577,7 @@
               <a:t>submit</a:t>
             </a:r>
             <a:r>
-              <a:rPr lang="zh-CN" altLang="en-US" sz="1600" dirty="0" smtClean="0">
+              <a:rPr lang="zh-CN" altLang="en-US" sz="1400" dirty="0" smtClean="0">
                 <a:solidFill>
                   <a:srgbClr val="34495E"/>
                 </a:solidFill>
@@ -18647,7 +18586,7 @@
               </a:rPr>
               <a:t>按钮默认</a:t>
             </a:r>
-            <a:endParaRPr lang="en-US" altLang="zh-CN" sz="1600" dirty="0" smtClean="0">
+            <a:endParaRPr lang="en-US" altLang="zh-CN" sz="1400" dirty="0" smtClean="0">
               <a:solidFill>
                 <a:srgbClr val="34495E"/>
               </a:solidFill>
@@ -18657,7 +18596,7 @@
           </a:p>
           <a:p>
             <a:r>
-              <a:rPr lang="en-US" altLang="zh-CN" sz="1600" dirty="0">
+              <a:rPr lang="en-US" altLang="zh-CN" sz="1400" dirty="0">
                 <a:solidFill>
                   <a:srgbClr val="34495E"/>
                 </a:solidFill>
@@ -18667,7 +18606,7 @@
               <a:t> </a:t>
             </a:r>
             <a:r>
-              <a:rPr lang="en-US" altLang="zh-CN" sz="1600" dirty="0" smtClean="0">
+              <a:rPr lang="en-US" altLang="zh-CN" sz="1400" dirty="0" smtClean="0">
                 <a:solidFill>
                   <a:srgbClr val="34495E"/>
                 </a:solidFill>
@@ -18677,7 +18616,7 @@
               <a:t>                </a:t>
             </a:r>
             <a:r>
-              <a:rPr lang="zh-CN" altLang="en-US" sz="1600" dirty="0" smtClean="0">
+              <a:rPr lang="zh-CN" altLang="en-US" sz="1400" dirty="0" smtClean="0">
                 <a:solidFill>
                   <a:srgbClr val="34495E"/>
                 </a:solidFill>
@@ -18687,7 +18626,7 @@
               <a:t>事件是</a:t>
             </a:r>
             <a:r>
-              <a:rPr lang="en-US" altLang="zh-CN" sz="1600" dirty="0" smtClean="0">
+              <a:rPr lang="en-US" altLang="zh-CN" sz="1400" dirty="0" smtClean="0">
                 <a:solidFill>
                   <a:srgbClr val="34495E"/>
                 </a:solidFill>
@@ -18697,7 +18636,7 @@
               <a:t>click</a:t>
             </a:r>
             <a:r>
-              <a:rPr lang="zh-CN" altLang="en-US" sz="1600" dirty="0" smtClean="0">
+              <a:rPr lang="zh-CN" altLang="en-US" sz="1400" dirty="0" smtClean="0">
                 <a:solidFill>
                   <a:srgbClr val="34495E"/>
                 </a:solidFill>
@@ -18706,7 +18645,7 @@
               </a:rPr>
               <a:t>时提交表单。</a:t>
             </a:r>
-            <a:endParaRPr lang="zh-CN" altLang="en-US" sz="1600" dirty="0">
+            <a:endParaRPr lang="zh-CN" altLang="en-US" sz="1400" dirty="0">
               <a:latin typeface="微软雅黑" panose="020B0503020204020204" pitchFamily="34" charset="-122"/>
               <a:ea typeface="微软雅黑" panose="020B0503020204020204" pitchFamily="34" charset="-122"/>
             </a:endParaRPr>
@@ -18806,16 +18745,14 @@
         </p:nvSpPr>
         <p:spPr>
           <a:xfrm>
-            <a:off x="2251440" y="5587572"/>
-            <a:ext cx="9531842" cy="584775"/>
+            <a:off x="2251440" y="5626209"/>
+            <a:ext cx="9531842" cy="523220"/>
           </a:xfrm>
           <a:prstGeom prst="rect">
             <a:avLst/>
           </a:prstGeom>
           <a:ln>
-            <a:solidFill>
-              <a:srgbClr val="92D050"/>
-            </a:solidFill>
+            <a:noFill/>
           </a:ln>
         </p:spPr>
         <p:txBody>
@@ -18825,7 +18762,7 @@
           <a:lstStyle/>
           <a:p>
             <a:r>
-              <a:rPr lang="en-US" altLang="zh-CN" sz="1600" b="1" dirty="0" smtClean="0">
+              <a:rPr lang="en-US" altLang="zh-CN" sz="1400" b="1" dirty="0" smtClean="0">
                 <a:solidFill>
                   <a:srgbClr val="C00000"/>
                 </a:solidFill>
@@ -18835,7 +18772,7 @@
               <a:t>.once</a:t>
             </a:r>
             <a:r>
-              <a:rPr lang="zh-CN" altLang="en-US" sz="1600" dirty="0" smtClean="0">
+              <a:rPr lang="zh-CN" altLang="en-US" sz="1400" dirty="0" smtClean="0">
                 <a:solidFill>
                   <a:srgbClr val="34495E"/>
                 </a:solidFill>
@@ -18845,7 +18782,7 @@
               <a:t>：让事件只触发一次。如文本框的</a:t>
             </a:r>
             <a:r>
-              <a:rPr lang="en-US" altLang="zh-CN" sz="1600" dirty="0" smtClean="0">
+              <a:rPr lang="en-US" altLang="zh-CN" sz="1400" dirty="0" smtClean="0">
                 <a:solidFill>
                   <a:srgbClr val="34495E"/>
                 </a:solidFill>
@@ -18855,7 +18792,7 @@
               <a:t>focus</a:t>
             </a:r>
             <a:r>
-              <a:rPr lang="zh-CN" altLang="en-US" sz="1600" dirty="0" smtClean="0">
+              <a:rPr lang="zh-CN" altLang="en-US" sz="1400" dirty="0" smtClean="0">
                 <a:solidFill>
                   <a:srgbClr val="34495E"/>
                 </a:solidFill>
@@ -18865,7 +18802,7 @@
               <a:t>事件，当文本框获取焦点时就一直会循环执行</a:t>
             </a:r>
             <a:r>
-              <a:rPr lang="en-US" altLang="zh-CN" sz="1600" dirty="0" smtClean="0">
+              <a:rPr lang="en-US" altLang="zh-CN" sz="1400" dirty="0" smtClean="0">
                 <a:solidFill>
                   <a:srgbClr val="34495E"/>
                 </a:solidFill>
@@ -18875,7 +18812,7 @@
               <a:t>focus</a:t>
             </a:r>
             <a:r>
-              <a:rPr lang="zh-CN" altLang="en-US" sz="1600" dirty="0" smtClean="0">
+              <a:rPr lang="zh-CN" altLang="en-US" sz="1400" dirty="0" smtClean="0">
                 <a:solidFill>
                   <a:srgbClr val="34495E"/>
                 </a:solidFill>
@@ -18884,7 +18821,7 @@
               </a:rPr>
               <a:t>事件，</a:t>
             </a:r>
-            <a:endParaRPr lang="en-US" altLang="zh-CN" sz="1600" dirty="0" smtClean="0">
+            <a:endParaRPr lang="en-US" altLang="zh-CN" sz="1400" dirty="0" smtClean="0">
               <a:solidFill>
                 <a:srgbClr val="34495E"/>
               </a:solidFill>
@@ -18894,7 +18831,7 @@
           </a:p>
           <a:p>
             <a:r>
-              <a:rPr lang="en-US" altLang="zh-CN" sz="1600" dirty="0">
+              <a:rPr lang="en-US" altLang="zh-CN" sz="1400" dirty="0">
                 <a:solidFill>
                   <a:srgbClr val="34495E"/>
                 </a:solidFill>
@@ -18904,7 +18841,7 @@
               <a:t> </a:t>
             </a:r>
             <a:r>
-              <a:rPr lang="en-US" altLang="zh-CN" sz="1600" dirty="0" smtClean="0">
+              <a:rPr lang="en-US" altLang="zh-CN" sz="1400" dirty="0" smtClean="0">
                 <a:solidFill>
                   <a:srgbClr val="34495E"/>
                 </a:solidFill>
@@ -18914,7 +18851,7 @@
               <a:t>           </a:t>
             </a:r>
             <a:r>
-              <a:rPr lang="zh-CN" altLang="en-US" sz="1600" dirty="0" smtClean="0">
+              <a:rPr lang="zh-CN" altLang="en-US" sz="1400" dirty="0" smtClean="0">
                 <a:solidFill>
                   <a:srgbClr val="34495E"/>
                 </a:solidFill>
@@ -18924,7 +18861,7 @@
               <a:t>此时可以通过</a:t>
             </a:r>
             <a:r>
-              <a:rPr lang="en-US" altLang="zh-CN" sz="1600" dirty="0" smtClean="0">
+              <a:rPr lang="en-US" altLang="zh-CN" sz="1400" dirty="0" smtClean="0">
                 <a:solidFill>
                   <a:srgbClr val="34495E"/>
                 </a:solidFill>
@@ -18934,7 +18871,7 @@
               <a:t>once</a:t>
             </a:r>
             <a:r>
-              <a:rPr lang="zh-CN" altLang="en-US" sz="1600" dirty="0" smtClean="0">
+              <a:rPr lang="zh-CN" altLang="en-US" sz="1400" dirty="0" smtClean="0">
                 <a:solidFill>
                   <a:srgbClr val="34495E"/>
                 </a:solidFill>
@@ -18943,7 +18880,7 @@
               </a:rPr>
               <a:t>只让事件执行一次</a:t>
             </a:r>
-            <a:endParaRPr lang="zh-CN" altLang="en-US" sz="1600" dirty="0">
+            <a:endParaRPr lang="zh-CN" altLang="en-US" sz="1400" dirty="0">
               <a:latin typeface="微软雅黑" panose="020B0503020204020204" pitchFamily="34" charset="-122"/>
               <a:ea typeface="微软雅黑" panose="020B0503020204020204" pitchFamily="34" charset="-122"/>
             </a:endParaRPr>
@@ -20394,9 +20331,7 @@
             <a:avLst/>
           </a:prstGeom>
           <a:ln>
-            <a:solidFill>
-              <a:srgbClr val="92D050"/>
-            </a:solidFill>
+            <a:noFill/>
           </a:ln>
         </p:spPr>
         <p:txBody>
@@ -22706,7 +22641,7 @@
         </p:nvSpPr>
         <p:spPr>
           <a:xfrm>
-            <a:off x="1975808" y="3933056"/>
+            <a:off x="1975808" y="2708920"/>
             <a:ext cx="6256877" cy="488361"/>
           </a:xfrm>
           <a:prstGeom prst="roundRect">
@@ -22754,7 +22689,7 @@
         </p:nvSpPr>
         <p:spPr>
           <a:xfrm>
-            <a:off x="2055939" y="4012523"/>
+            <a:off x="2055939" y="2788387"/>
             <a:ext cx="4976290" cy="338554"/>
           </a:xfrm>
           <a:prstGeom prst="rect">
@@ -22882,7 +22817,7 @@
         </p:blipFill>
         <p:spPr>
           <a:xfrm>
-            <a:off x="1986339" y="2810959"/>
+            <a:off x="1986339" y="3854751"/>
             <a:ext cx="6246346" cy="870393"/>
           </a:xfrm>
           <a:prstGeom prst="rect">
@@ -25100,10 +25035,20 @@
             </a:r>
             <a:r>
               <a:rPr lang="en-US" altLang="zh-CN" sz="1600" dirty="0">
-                <a:latin typeface="微软雅黑" panose="020B0503020204020204" pitchFamily="34" charset="-122"/>
-                <a:ea typeface="微软雅黑" panose="020B0503020204020204" pitchFamily="34" charset="-122"/>
-              </a:rPr>
-              <a:t>Tim Berners-Lee</a:t>
+                <a:solidFill>
+                  <a:srgbClr val="FF0000"/>
+                </a:solidFill>
+                <a:latin typeface="微软雅黑" panose="020B0503020204020204" pitchFamily="34" charset="-122"/>
+                <a:ea typeface="微软雅黑" panose="020B0503020204020204" pitchFamily="34" charset="-122"/>
+              </a:rPr>
+              <a:t>Tim</a:t>
+            </a:r>
+            <a:r>
+              <a:rPr lang="en-US" altLang="zh-CN" sz="1600" dirty="0">
+                <a:latin typeface="微软雅黑" panose="020B0503020204020204" pitchFamily="34" charset="-122"/>
+                <a:ea typeface="微软雅黑" panose="020B0503020204020204" pitchFamily="34" charset="-122"/>
+              </a:rPr>
+              <a:t> Berners-Lee</a:t>
             </a:r>
             <a:r>
               <a:rPr lang="zh-CN" altLang="en-US" sz="1600" dirty="0">
@@ -27201,7 +27146,7 @@
                 <a:latin typeface="微软雅黑" panose="020B0503020204020204" pitchFamily="34" charset="-122"/>
                 <a:ea typeface="微软雅黑" panose="020B0503020204020204" pitchFamily="34" charset="-122"/>
               </a:rPr>
-              <a:t>，都大量使用了</a:t>
+              <a:t>，大量使用了</a:t>
             </a:r>
             <a:r>
               <a:rPr lang="en-US" altLang="zh-CN" sz="1600" dirty="0" smtClean="0">
@@ -27215,7 +27160,7 @@
                 <a:latin typeface="微软雅黑" panose="020B0503020204020204" pitchFamily="34" charset="-122"/>
                 <a:ea typeface="微软雅黑" panose="020B0503020204020204" pitchFamily="34" charset="-122"/>
               </a:rPr>
-              <a:t>技术</a:t>
+              <a:t>技术，获得巨大成功</a:t>
             </a:r>
             <a:endParaRPr lang="zh-CN" altLang="en-US" sz="1600" dirty="0">
               <a:latin typeface="微软雅黑" panose="020B0503020204020204" pitchFamily="34" charset="-122"/>
@@ -27550,7 +27495,7 @@
         </p:nvSpPr>
         <p:spPr>
           <a:xfrm>
-            <a:off x="346699" y="1265366"/>
+            <a:off x="346699" y="988007"/>
             <a:ext cx="11521279" cy="338554"/>
           </a:xfrm>
           <a:prstGeom prst="rect">
@@ -27676,7 +27621,7 @@
         </p:nvSpPr>
         <p:spPr>
           <a:xfrm>
-            <a:off x="335358" y="465999"/>
+            <a:off x="335358" y="188640"/>
             <a:ext cx="11521281" cy="338554"/>
           </a:xfrm>
           <a:prstGeom prst="rect">
@@ -27732,7 +27677,7 @@
         </p:nvSpPr>
         <p:spPr>
           <a:xfrm>
-            <a:off x="346698" y="850640"/>
+            <a:off x="346698" y="573281"/>
             <a:ext cx="11521280" cy="338554"/>
           </a:xfrm>
           <a:prstGeom prst="rect">
@@ -27769,34 +27714,6 @@
                 <a:latin typeface="微软雅黑" panose="020B0503020204020204" pitchFamily="34" charset="-122"/>
                 <a:ea typeface="微软雅黑" panose="020B0503020204020204" pitchFamily="34" charset="-122"/>
               </a:rPr>
-              <a:t>W3C</a:t>
-            </a:r>
-            <a:r>
-              <a:rPr lang="zh-CN" altLang="en-US" sz="1600" dirty="0" smtClean="0">
-                <a:latin typeface="微软雅黑" panose="020B0503020204020204" pitchFamily="34" charset="-122"/>
-                <a:ea typeface="微软雅黑" panose="020B0503020204020204" pitchFamily="34" charset="-122"/>
-              </a:rPr>
-              <a:t>正式发布第一份</a:t>
-            </a:r>
-            <a:r>
-              <a:rPr lang="en-US" altLang="zh-CN" sz="1600" dirty="0" smtClean="0">
-                <a:latin typeface="微软雅黑" panose="020B0503020204020204" pitchFamily="34" charset="-122"/>
-                <a:ea typeface="微软雅黑" panose="020B0503020204020204" pitchFamily="34" charset="-122"/>
-              </a:rPr>
-              <a:t>HTML5</a:t>
-            </a:r>
-            <a:r>
-              <a:rPr lang="zh-CN" altLang="en-US" sz="1600" dirty="0" smtClean="0">
-                <a:latin typeface="微软雅黑" panose="020B0503020204020204" pitchFamily="34" charset="-122"/>
-                <a:ea typeface="微软雅黑" panose="020B0503020204020204" pitchFamily="34" charset="-122"/>
-              </a:rPr>
-              <a:t>草案，同年</a:t>
-            </a:r>
-            <a:r>
-              <a:rPr lang="en-US" altLang="zh-CN" sz="1600" dirty="0" smtClean="0">
-                <a:latin typeface="微软雅黑" panose="020B0503020204020204" pitchFamily="34" charset="-122"/>
-                <a:ea typeface="微软雅黑" panose="020B0503020204020204" pitchFamily="34" charset="-122"/>
-              </a:rPr>
               <a:t>Google</a:t>
             </a:r>
             <a:r>
@@ -27835,7 +27752,7 @@
         </p:nvSpPr>
         <p:spPr>
           <a:xfrm>
-            <a:off x="335359" y="2480745"/>
+            <a:off x="335359" y="2203386"/>
             <a:ext cx="11521280" cy="338554"/>
           </a:xfrm>
           <a:prstGeom prst="rect">
@@ -27862,7 +27779,7 @@
                 <a:latin typeface="微软雅黑" panose="020B0503020204020204" pitchFamily="34" charset="-122"/>
                 <a:ea typeface="微软雅黑" panose="020B0503020204020204" pitchFamily="34" charset="-122"/>
               </a:rPr>
-              <a:t>此时存在的问题：</a:t>
+              <a:t>过程中存在的问题：</a:t>
             </a:r>
             <a:r>
               <a:rPr lang="en-US" altLang="zh-CN" sz="1600" b="1" dirty="0" smtClean="0">
@@ -27902,7 +27819,7 @@
         </p:nvSpPr>
         <p:spPr>
           <a:xfrm>
-            <a:off x="335361" y="2878359"/>
+            <a:off x="335361" y="2601000"/>
             <a:ext cx="11521280" cy="338554"/>
           </a:xfrm>
           <a:prstGeom prst="rect">
@@ -27979,7 +27896,7 @@
         </p:nvSpPr>
         <p:spPr>
           <a:xfrm>
-            <a:off x="335360" y="3270729"/>
+            <a:off x="335360" y="2993370"/>
             <a:ext cx="11521279" cy="338554"/>
           </a:xfrm>
           <a:prstGeom prst="rect">
@@ -28040,7 +27957,7 @@
         </p:nvSpPr>
         <p:spPr>
           <a:xfrm>
-            <a:off x="335359" y="1678266"/>
+            <a:off x="335359" y="1400907"/>
             <a:ext cx="11521280" cy="338554"/>
           </a:xfrm>
           <a:prstGeom prst="rect">
@@ -28115,7 +28032,7 @@
         </p:nvSpPr>
         <p:spPr>
           <a:xfrm>
-            <a:off x="346698" y="2067171"/>
+            <a:off x="346698" y="1789812"/>
             <a:ext cx="11521280" cy="338554"/>
           </a:xfrm>
           <a:prstGeom prst="rect">
@@ -28185,7 +28102,7 @@
         </p:nvSpPr>
         <p:spPr>
           <a:xfrm>
-            <a:off x="335359" y="3674104"/>
+            <a:off x="335359" y="3396745"/>
             <a:ext cx="11521280" cy="338554"/>
           </a:xfrm>
           <a:prstGeom prst="rect">
@@ -28297,7 +28214,7 @@
         </p:nvSpPr>
         <p:spPr>
           <a:xfrm>
-            <a:off x="335359" y="4124914"/>
+            <a:off x="335359" y="3847555"/>
             <a:ext cx="11521280" cy="584775"/>
           </a:xfrm>
           <a:prstGeom prst="rect">
@@ -28366,12 +28283,17 @@
         </p:nvSpPr>
         <p:spPr>
           <a:xfrm>
-            <a:off x="335358" y="4821945"/>
+            <a:off x="335358" y="5721371"/>
             <a:ext cx="11521280" cy="338554"/>
           </a:xfrm>
           <a:prstGeom prst="rect">
             <a:avLst/>
           </a:prstGeom>
+          <a:solidFill>
+            <a:schemeClr val="bg1">
+              <a:lumMod val="85000"/>
+            </a:schemeClr>
+          </a:solidFill>
         </p:spPr>
         <p:txBody>
           <a:bodyPr wrap="square">
@@ -28380,48 +28302,69 @@
           <a:lstStyle/>
           <a:p>
             <a:r>
+              <a:rPr lang="en-US" altLang="zh-CN" sz="1600" dirty="0">
+                <a:latin typeface="微软雅黑" panose="020B0503020204020204" pitchFamily="34" charset="-122"/>
+                <a:ea typeface="微软雅黑" panose="020B0503020204020204" pitchFamily="34" charset="-122"/>
+              </a:rPr>
+              <a:t>2014</a:t>
+            </a:r>
+            <a:r>
+              <a:rPr lang="zh-CN" altLang="en-US" sz="1600" dirty="0">
+                <a:latin typeface="微软雅黑" panose="020B0503020204020204" pitchFamily="34" charset="-122"/>
+                <a:ea typeface="微软雅黑" panose="020B0503020204020204" pitchFamily="34" charset="-122"/>
+              </a:rPr>
+              <a:t>年，</a:t>
+            </a:r>
+            <a:r>
+              <a:rPr lang="en-US" altLang="zh-CN" sz="1600" dirty="0">
+                <a:latin typeface="微软雅黑" panose="020B0503020204020204" pitchFamily="34" charset="-122"/>
+                <a:ea typeface="微软雅黑" panose="020B0503020204020204" pitchFamily="34" charset="-122"/>
+              </a:rPr>
+              <a:t>W3C</a:t>
+            </a:r>
+            <a:r>
+              <a:rPr lang="zh-CN" altLang="en-US" sz="1600" dirty="0">
+                <a:latin typeface="微软雅黑" panose="020B0503020204020204" pitchFamily="34" charset="-122"/>
+                <a:ea typeface="微软雅黑" panose="020B0503020204020204" pitchFamily="34" charset="-122"/>
+              </a:rPr>
+              <a:t>正式</a:t>
+            </a:r>
+            <a:r>
+              <a:rPr lang="zh-CN" altLang="en-US" sz="1600" dirty="0" smtClean="0">
+                <a:latin typeface="微软雅黑" panose="020B0503020204020204" pitchFamily="34" charset="-122"/>
+                <a:ea typeface="微软雅黑" panose="020B0503020204020204" pitchFamily="34" charset="-122"/>
+              </a:rPr>
+              <a:t>发布</a:t>
+            </a:r>
+            <a:r>
+              <a:rPr lang="en-US" altLang="zh-CN" sz="1600" dirty="0">
+                <a:latin typeface="微软雅黑" panose="020B0503020204020204" pitchFamily="34" charset="-122"/>
+                <a:ea typeface="微软雅黑" panose="020B0503020204020204" pitchFamily="34" charset="-122"/>
+              </a:rPr>
+              <a:t>HTML5</a:t>
+            </a:r>
+            <a:r>
+              <a:rPr lang="zh-CN" altLang="en-US" sz="1600" dirty="0" smtClean="0">
+                <a:latin typeface="微软雅黑" panose="020B0503020204020204" pitchFamily="34" charset="-122"/>
+                <a:ea typeface="微软雅黑" panose="020B0503020204020204" pitchFamily="34" charset="-122"/>
+              </a:rPr>
+              <a:t>标准。</a:t>
+            </a:r>
+            <a:r>
               <a:rPr lang="en-US" altLang="zh-CN" sz="1600" dirty="0" smtClean="0">
                 <a:latin typeface="微软雅黑" panose="020B0503020204020204" pitchFamily="34" charset="-122"/>
                 <a:ea typeface="微软雅黑" panose="020B0503020204020204" pitchFamily="34" charset="-122"/>
               </a:rPr>
-              <a:t>2014</a:t>
+              <a:t>H5</a:t>
             </a:r>
             <a:r>
               <a:rPr lang="zh-CN" altLang="en-US" sz="1600" dirty="0" smtClean="0">
                 <a:latin typeface="微软雅黑" panose="020B0503020204020204" pitchFamily="34" charset="-122"/>
                 <a:ea typeface="微软雅黑" panose="020B0503020204020204" pitchFamily="34" charset="-122"/>
               </a:rPr>
-              <a:t>年，</a:t>
-            </a:r>
-            <a:r>
-              <a:rPr lang="en-US" altLang="zh-CN" sz="1600" dirty="0" smtClean="0">
-                <a:latin typeface="微软雅黑" panose="020B0503020204020204" pitchFamily="34" charset="-122"/>
-                <a:ea typeface="微软雅黑" panose="020B0503020204020204" pitchFamily="34" charset="-122"/>
-              </a:rPr>
-              <a:t>W3C</a:t>
-            </a:r>
-            <a:r>
-              <a:rPr lang="zh-CN" altLang="en-US" sz="1600" dirty="0" smtClean="0">
-                <a:latin typeface="微软雅黑" panose="020B0503020204020204" pitchFamily="34" charset="-122"/>
-                <a:ea typeface="微软雅黑" panose="020B0503020204020204" pitchFamily="34" charset="-122"/>
-              </a:rPr>
-              <a:t>正式发布</a:t>
-            </a:r>
-            <a:r>
-              <a:rPr lang="en-US" altLang="zh-CN" sz="1600" dirty="0" smtClean="0">
-                <a:latin typeface="微软雅黑" panose="020B0503020204020204" pitchFamily="34" charset="-122"/>
-                <a:ea typeface="微软雅黑" panose="020B0503020204020204" pitchFamily="34" charset="-122"/>
-              </a:rPr>
-              <a:t>Html5.0</a:t>
-            </a:r>
-            <a:r>
-              <a:rPr lang="zh-CN" altLang="en-US" sz="1600" dirty="0" smtClean="0">
-                <a:latin typeface="微软雅黑" panose="020B0503020204020204" pitchFamily="34" charset="-122"/>
-                <a:ea typeface="微软雅黑" panose="020B0503020204020204" pitchFamily="34" charset="-122"/>
-              </a:rPr>
-              <a:t>标准的推荐版</a:t>
-            </a:r>
-            <a:endParaRPr lang="en-US" altLang="zh-CN" sz="1600" dirty="0" smtClean="0">
+              <a:t>标准正式发布，促使各浏览器趋于归一统</a:t>
+            </a:r>
+            <a:endParaRPr lang="en-US" altLang="zh-CN" sz="1600" dirty="0">
               <a:latin typeface="微软雅黑" panose="020B0503020204020204" pitchFamily="34" charset="-122"/>
               <a:ea typeface="微软雅黑" panose="020B0503020204020204" pitchFamily="34" charset="-122"/>
             </a:endParaRPr>
@@ -28436,7 +28379,7 @@
         </p:nvSpPr>
         <p:spPr>
           <a:xfrm>
-            <a:off x="346698" y="5230058"/>
+            <a:off x="346698" y="4920676"/>
             <a:ext cx="11521282" cy="338554"/>
           </a:xfrm>
           <a:prstGeom prst="rect">
@@ -28511,7 +28454,7 @@
         </p:nvSpPr>
         <p:spPr>
           <a:xfrm>
-            <a:off x="335357" y="5644784"/>
+            <a:off x="335357" y="5315909"/>
             <a:ext cx="11521281" cy="338554"/>
           </a:xfrm>
           <a:prstGeom prst="rect">
@@ -28581,16 +28524,14 @@
         </p:nvSpPr>
         <p:spPr>
           <a:xfrm>
-            <a:off x="324917" y="6057684"/>
-            <a:ext cx="11521281" cy="369332"/>
+            <a:off x="324917" y="6156012"/>
+            <a:ext cx="11521281" cy="523220"/>
           </a:xfrm>
           <a:prstGeom prst="rect">
             <a:avLst/>
           </a:prstGeom>
           <a:solidFill>
-            <a:schemeClr val="bg1">
-              <a:lumMod val="85000"/>
-            </a:schemeClr>
+            <a:srgbClr val="FFFF00"/>
           </a:solidFill>
         </p:spPr>
         <p:txBody>
@@ -28600,7 +28541,7 @@
           <a:lstStyle/>
           <a:p>
             <a:r>
-              <a:rPr lang="en-US" altLang="zh-CN" dirty="0" smtClean="0">
+              <a:rPr lang="en-US" altLang="zh-CN" sz="2800" dirty="0" smtClean="0">
                 <a:solidFill>
                   <a:srgbClr val="FF0000"/>
                 </a:solidFill>
@@ -28610,7 +28551,7 @@
               <a:t>2014</a:t>
             </a:r>
             <a:r>
-              <a:rPr lang="zh-CN" altLang="en-US" dirty="0" smtClean="0">
+              <a:rPr lang="zh-CN" altLang="en-US" sz="2800" dirty="0" smtClean="0">
                 <a:solidFill>
                   <a:srgbClr val="FF0000"/>
                 </a:solidFill>
@@ -28620,52 +28561,125 @@
               <a:t>年，</a:t>
             </a:r>
             <a:r>
-              <a:rPr lang="zh-CN" altLang="en-US" b="1" dirty="0" smtClean="0">
+              <a:rPr lang="zh-CN" altLang="en-US" sz="2800" b="1" dirty="0" smtClean="0">
+                <a:solidFill>
+                  <a:srgbClr val="0000FF"/>
+                </a:solidFill>
+                <a:latin typeface="微软雅黑" panose="020B0503020204020204" pitchFamily="34" charset="-122"/>
+                <a:ea typeface="微软雅黑" panose="020B0503020204020204" pitchFamily="34" charset="-122"/>
+              </a:rPr>
+              <a:t>尤雨溪</a:t>
+            </a:r>
+            <a:r>
+              <a:rPr lang="zh-CN" altLang="en-US" sz="2800" dirty="0" smtClean="0">
                 <a:solidFill>
                   <a:srgbClr val="FF0000"/>
                 </a:solidFill>
                 <a:latin typeface="微软雅黑" panose="020B0503020204020204" pitchFamily="34" charset="-122"/>
                 <a:ea typeface="微软雅黑" panose="020B0503020204020204" pitchFamily="34" charset="-122"/>
               </a:rPr>
-              <a:t>尤雨溪</a:t>
-            </a:r>
-            <a:r>
-              <a:rPr lang="zh-CN" altLang="en-US" dirty="0" smtClean="0">
+              <a:t>正式发布了</a:t>
+            </a:r>
+            <a:r>
+              <a:rPr lang="en-US" altLang="zh-CN" sz="2800" dirty="0" err="1" smtClean="0">
                 <a:solidFill>
                   <a:srgbClr val="FF0000"/>
                 </a:solidFill>
                 <a:latin typeface="微软雅黑" panose="020B0503020204020204" pitchFamily="34" charset="-122"/>
                 <a:ea typeface="微软雅黑" panose="020B0503020204020204" pitchFamily="34" charset="-122"/>
               </a:rPr>
-              <a:t>正式发布了</a:t>
-            </a:r>
-            <a:r>
-              <a:rPr lang="en-US" altLang="zh-CN" dirty="0" err="1" smtClean="0">
+              <a:t>Vue</a:t>
+            </a:r>
+            <a:r>
+              <a:rPr lang="zh-CN" altLang="en-US" sz="2800" dirty="0" smtClean="0">
                 <a:solidFill>
                   <a:srgbClr val="FF0000"/>
                 </a:solidFill>
                 <a:latin typeface="微软雅黑" panose="020B0503020204020204" pitchFamily="34" charset="-122"/>
                 <a:ea typeface="微软雅黑" panose="020B0503020204020204" pitchFamily="34" charset="-122"/>
               </a:rPr>
-              <a:t>Vue</a:t>
-            </a:r>
-            <a:r>
-              <a:rPr lang="zh-CN" altLang="en-US" dirty="0" smtClean="0">
-                <a:solidFill>
-                  <a:srgbClr val="FF0000"/>
-                </a:solidFill>
-                <a:latin typeface="微软雅黑" panose="020B0503020204020204" pitchFamily="34" charset="-122"/>
-                <a:ea typeface="微软雅黑" panose="020B0503020204020204" pitchFamily="34" charset="-122"/>
-              </a:rPr>
               <a:t>第一个版本</a:t>
             </a:r>
-            <a:endParaRPr lang="en-US" altLang="zh-CN" dirty="0" smtClean="0">
+            <a:endParaRPr lang="en-US" altLang="zh-CN" sz="2800" dirty="0" smtClean="0">
               <a:solidFill>
                 <a:srgbClr val="FF0000"/>
               </a:solidFill>
               <a:latin typeface="微软雅黑" panose="020B0503020204020204" pitchFamily="34" charset="-122"/>
               <a:ea typeface="微软雅黑" panose="020B0503020204020204" pitchFamily="34" charset="-122"/>
             </a:endParaRPr>
+          </a:p>
+        </p:txBody>
+      </p:sp>
+      <p:sp>
+        <p:nvSpPr>
+          <p:cNvPr id="2" name="矩形 1"/>
+          <p:cNvSpPr/>
+          <p:nvPr/>
+        </p:nvSpPr>
+        <p:spPr>
+          <a:xfrm>
+            <a:off x="346698" y="4522581"/>
+            <a:ext cx="11543061" cy="338554"/>
+          </a:xfrm>
+          <a:prstGeom prst="rect">
+            <a:avLst/>
+          </a:prstGeom>
+        </p:spPr>
+        <p:txBody>
+          <a:bodyPr wrap="square">
+            <a:spAutoFit/>
+          </a:bodyPr>
+          <a:lstStyle/>
+          <a:p>
+            <a:r>
+              <a:rPr lang="en-US" altLang="zh-CN" sz="1600" dirty="0">
+                <a:latin typeface="微软雅黑" panose="020B0503020204020204" pitchFamily="34" charset="-122"/>
+                <a:ea typeface="微软雅黑" panose="020B0503020204020204" pitchFamily="34" charset="-122"/>
+              </a:rPr>
+              <a:t>2008</a:t>
+            </a:r>
+            <a:r>
+              <a:rPr lang="zh-CN" altLang="en-US" sz="1600" dirty="0">
+                <a:latin typeface="微软雅黑" panose="020B0503020204020204" pitchFamily="34" charset="-122"/>
+                <a:ea typeface="微软雅黑" panose="020B0503020204020204" pitchFamily="34" charset="-122"/>
+              </a:rPr>
+              <a:t>年，</a:t>
+            </a:r>
+            <a:r>
+              <a:rPr lang="en-US" altLang="zh-CN" sz="1600" dirty="0" smtClean="0">
+                <a:latin typeface="微软雅黑" panose="020B0503020204020204" pitchFamily="34" charset="-122"/>
+                <a:ea typeface="微软雅黑" panose="020B0503020204020204" pitchFamily="34" charset="-122"/>
+              </a:rPr>
+              <a:t>W3C</a:t>
+            </a:r>
+            <a:r>
+              <a:rPr lang="zh-CN" altLang="en-US" sz="1600" dirty="0" smtClean="0">
+                <a:latin typeface="微软雅黑" panose="020B0503020204020204" pitchFamily="34" charset="-122"/>
+                <a:ea typeface="微软雅黑" panose="020B0503020204020204" pitchFamily="34" charset="-122"/>
+              </a:rPr>
+              <a:t>发布</a:t>
+            </a:r>
+            <a:r>
+              <a:rPr lang="zh-CN" altLang="en-US" sz="1600" dirty="0">
+                <a:latin typeface="微软雅黑" panose="020B0503020204020204" pitchFamily="34" charset="-122"/>
+                <a:ea typeface="微软雅黑" panose="020B0503020204020204" pitchFamily="34" charset="-122"/>
+              </a:rPr>
+              <a:t>第一份</a:t>
+            </a:r>
+            <a:r>
+              <a:rPr lang="en-US" altLang="zh-CN" sz="1600" dirty="0">
+                <a:latin typeface="微软雅黑" panose="020B0503020204020204" pitchFamily="34" charset="-122"/>
+                <a:ea typeface="微软雅黑" panose="020B0503020204020204" pitchFamily="34" charset="-122"/>
+              </a:rPr>
+              <a:t>HTML5</a:t>
+            </a:r>
+            <a:r>
+              <a:rPr lang="zh-CN" altLang="en-US" sz="1600" dirty="0">
+                <a:latin typeface="微软雅黑" panose="020B0503020204020204" pitchFamily="34" charset="-122"/>
+                <a:ea typeface="微软雅黑" panose="020B0503020204020204" pitchFamily="34" charset="-122"/>
+              </a:rPr>
+              <a:t>草案</a:t>
+            </a:r>
           </a:p>
         </p:txBody>
       </p:sp>
@@ -29441,7 +29455,7 @@
               <a:t>fff</a:t>
             </a:r>
             <a:r>
-              <a:rPr lang="en-US" altLang="zh-CN" sz="1600" dirty="0">
+              <a:rPr lang="en-US" altLang="zh-CN" sz="1600" dirty="0" smtClean="0">
                 <a:solidFill>
                   <a:schemeClr val="accent2">
                     <a:lumMod val="50000"/>
@@ -29451,10 +29465,10 @@
                 <a:latin typeface="微软雅黑" panose="020B0503020204020204" pitchFamily="34" charset="-122"/>
                 <a:ea typeface="微软雅黑" panose="020B0503020204020204" pitchFamily="34" charset="-122"/>
               </a:rPr>
-              <a:t>"&gt;</a:t>
-            </a:r>
-            <a:r>
-              <a:rPr lang="zh-CN" altLang="en-US" sz="1600" dirty="0">
+              <a:t>"&gt;&lt;/</a:t>
+            </a:r>
+            <a:r>
+              <a:rPr lang="en-US" altLang="zh-CN" sz="1600" dirty="0">
                 <a:solidFill>
                   <a:schemeClr val="accent2">
                     <a:lumMod val="50000"/>
@@ -29464,8 +29478,10 @@
                 <a:latin typeface="微软雅黑" panose="020B0503020204020204" pitchFamily="34" charset="-122"/>
                 <a:ea typeface="微软雅黑" panose="020B0503020204020204" pitchFamily="34" charset="-122"/>
               </a:rPr>
-              <a:t>小北</a:t>
-            </a:r>
+              <a:t>div&gt;</a:t>
+            </a:r>
+          </a:p>
+          <a:p>
             <a:r>
               <a:rPr lang="en-US" altLang="zh-CN" sz="1600" dirty="0">
                 <a:solidFill>
@@ -29477,12 +29493,10 @@
                 <a:latin typeface="微软雅黑" panose="020B0503020204020204" pitchFamily="34" charset="-122"/>
                 <a:ea typeface="微软雅黑" panose="020B0503020204020204" pitchFamily="34" charset="-122"/>
               </a:rPr>
-              <a:t>&lt;/div&gt;</a:t>
-            </a:r>
-          </a:p>
-          <a:p>
-            <a:r>
-              <a:rPr lang="en-US" altLang="zh-CN" sz="1600" dirty="0">
+              <a:t>&lt;div id="age</a:t>
+            </a:r>
+            <a:r>
+              <a:rPr lang="en-US" altLang="zh-CN" sz="1600" dirty="0" smtClean="0">
                 <a:solidFill>
                   <a:schemeClr val="accent2">
                     <a:lumMod val="50000"/>
@@ -29492,7 +29506,20 @@
                 <a:latin typeface="微软雅黑" panose="020B0503020204020204" pitchFamily="34" charset="-122"/>
                 <a:ea typeface="微软雅黑" panose="020B0503020204020204" pitchFamily="34" charset="-122"/>
               </a:rPr>
-              <a:t>&lt;div id="age"&gt;'666&lt;/div</a:t>
+              <a:t>"&gt;&lt;/</a:t>
+            </a:r>
+            <a:r>
+              <a:rPr lang="en-US" altLang="zh-CN" sz="1600" dirty="0">
+                <a:solidFill>
+                  <a:schemeClr val="accent2">
+                    <a:lumMod val="50000"/>
+                  </a:schemeClr>
+                </a:solidFill>
+                <a:effectLst/>
+                <a:latin typeface="微软雅黑" panose="020B0503020204020204" pitchFamily="34" charset="-122"/>
+                <a:ea typeface="微软雅黑" panose="020B0503020204020204" pitchFamily="34" charset="-122"/>
+              </a:rPr>
+              <a:t>div</a:t>
             </a:r>
             <a:r>
               <a:rPr lang="en-US" altLang="zh-CN" sz="1600" dirty="0" smtClean="0">
@@ -29699,23 +29726,22 @@
                 <a:latin typeface="微软雅黑" panose="020B0503020204020204" pitchFamily="34" charset="-122"/>
                 <a:ea typeface="微软雅黑" panose="020B0503020204020204" pitchFamily="34" charset="-122"/>
               </a:rPr>
-              <a:t>= '</a:t>
-            </a:r>
-            <a:r>
-              <a:rPr lang="zh-CN" altLang="en-US" sz="1600" dirty="0">
+              <a:t>= </a:t>
+            </a:r>
+            <a:r>
+              <a:rPr lang="en-US" altLang="zh-CN" sz="1600" dirty="0">
                 <a:solidFill>
                   <a:schemeClr val="accent2">
                     <a:lumMod val="50000"/>
                   </a:schemeClr>
                 </a:solidFill>
-                <a:effectLst/>
-                <a:latin typeface="微软雅黑" panose="020B0503020204020204" pitchFamily="34" charset="-122"/>
-                <a:ea typeface="微软雅黑" panose="020B0503020204020204" pitchFamily="34" charset="-122"/>
-              </a:rPr>
-              <a:t>小北</a:t>
-            </a:r>
-            <a:r>
-              <a:rPr lang="en-US" altLang="zh-CN" sz="1600" dirty="0">
+                <a:latin typeface="微软雅黑" panose="020B0503020204020204" pitchFamily="34" charset="-122"/>
+                <a:ea typeface="微软雅黑" panose="020B0503020204020204" pitchFamily="34" charset="-122"/>
+              </a:rPr>
+              <a:t>'</a:t>
+            </a:r>
+            <a:r>
+              <a:rPr lang="zh-CN" altLang="en-US" sz="1600" dirty="0" smtClean="0">
                 <a:solidFill>
                   <a:schemeClr val="accent2">
                     <a:lumMod val="50000"/>
@@ -29725,20 +29751,8 @@
                 <a:latin typeface="微软雅黑" panose="020B0503020204020204" pitchFamily="34" charset="-122"/>
                 <a:ea typeface="微软雅黑" panose="020B0503020204020204" pitchFamily="34" charset="-122"/>
               </a:rPr>
-              <a:t>'; </a:t>
-            </a:r>
-            <a:endParaRPr lang="en-US" altLang="zh-CN" sz="1600" dirty="0" smtClean="0">
-              <a:solidFill>
-                <a:schemeClr val="accent2">
-                  <a:lumMod val="50000"/>
-                </a:schemeClr>
-              </a:solidFill>
-              <a:effectLst/>
-              <a:latin typeface="微软雅黑" panose="020B0503020204020204" pitchFamily="34" charset="-122"/>
-              <a:ea typeface="微软雅黑" panose="020B0503020204020204" pitchFamily="34" charset="-122"/>
-            </a:endParaRPr>
-          </a:p>
-          <a:p>
+              <a:t>中科软</a:t>
+            </a:r>
             <a:r>
               <a:rPr lang="en-US" altLang="zh-CN" sz="1600" dirty="0" smtClean="0">
                 <a:solidFill>
@@ -29750,10 +29764,12 @@
                 <a:latin typeface="微软雅黑" panose="020B0503020204020204" pitchFamily="34" charset="-122"/>
                 <a:ea typeface="微软雅黑" panose="020B0503020204020204" pitchFamily="34" charset="-122"/>
               </a:rPr>
-              <a:t>dom2.innerHTML </a:t>
-            </a:r>
-            <a:r>
-              <a:rPr lang="en-US" altLang="zh-CN" sz="1600" dirty="0">
+              <a:t>'; </a:t>
+            </a:r>
+          </a:p>
+          <a:p>
+            <a:r>
+              <a:rPr lang="en-US" altLang="zh-CN" sz="1600" dirty="0" smtClean="0">
                 <a:solidFill>
                   <a:schemeClr val="accent2">
                     <a:lumMod val="50000"/>
@@ -29763,18 +29779,59 @@
                 <a:latin typeface="微软雅黑" panose="020B0503020204020204" pitchFamily="34" charset="-122"/>
                 <a:ea typeface="微软雅黑" panose="020B0503020204020204" pitchFamily="34" charset="-122"/>
               </a:rPr>
-              <a:t>= '666'; </a:t>
-            </a:r>
-            <a:endParaRPr lang="en-US" altLang="zh-CN" sz="1600" dirty="0" smtClean="0">
-              <a:solidFill>
-                <a:schemeClr val="accent2">
-                  <a:lumMod val="50000"/>
-                </a:schemeClr>
-              </a:solidFill>
-              <a:effectLst/>
-              <a:latin typeface="微软雅黑" panose="020B0503020204020204" pitchFamily="34" charset="-122"/>
-              <a:ea typeface="微软雅黑" panose="020B0503020204020204" pitchFamily="34" charset="-122"/>
-            </a:endParaRPr>
+              <a:t>dom2.innerHTML </a:t>
+            </a:r>
+            <a:r>
+              <a:rPr lang="en-US" altLang="zh-CN" sz="1600" dirty="0">
+                <a:solidFill>
+                  <a:schemeClr val="accent2">
+                    <a:lumMod val="50000"/>
+                  </a:schemeClr>
+                </a:solidFill>
+                <a:effectLst/>
+                <a:latin typeface="微软雅黑" panose="020B0503020204020204" pitchFamily="34" charset="-122"/>
+                <a:ea typeface="微软雅黑" panose="020B0503020204020204" pitchFamily="34" charset="-122"/>
+              </a:rPr>
+              <a:t>= </a:t>
+            </a:r>
+            <a:r>
+              <a:rPr lang="en-US" altLang="zh-CN" sz="1600" dirty="0">
+                <a:solidFill>
+                  <a:schemeClr val="accent2">
+                    <a:lumMod val="50000"/>
+                  </a:schemeClr>
+                </a:solidFill>
+                <a:latin typeface="微软雅黑" panose="020B0503020204020204" pitchFamily="34" charset="-122"/>
+                <a:ea typeface="微软雅黑" panose="020B0503020204020204" pitchFamily="34" charset="-122"/>
+              </a:rPr>
+              <a:t>'</a:t>
+            </a:r>
+            <a:r>
+              <a:rPr lang="zh-CN" altLang="en-US" sz="1600" dirty="0" smtClean="0">
+                <a:solidFill>
+                  <a:schemeClr val="accent2">
+                    <a:lumMod val="50000"/>
+                  </a:schemeClr>
+                </a:solidFill>
+                <a:effectLst/>
+                <a:latin typeface="微软雅黑" panose="020B0503020204020204" pitchFamily="34" charset="-122"/>
+                <a:ea typeface="微软雅黑" panose="020B0503020204020204" pitchFamily="34" charset="-122"/>
+              </a:rPr>
+              <a:t>中青博联</a:t>
+            </a:r>
+            <a:r>
+              <a:rPr lang="en-US" altLang="zh-CN" sz="1600" dirty="0" smtClean="0">
+                <a:solidFill>
+                  <a:schemeClr val="accent2">
+                    <a:lumMod val="50000"/>
+                  </a:schemeClr>
+                </a:solidFill>
+                <a:effectLst/>
+                <a:latin typeface="微软雅黑" panose="020B0503020204020204" pitchFamily="34" charset="-122"/>
+                <a:ea typeface="微软雅黑" panose="020B0503020204020204" pitchFamily="34" charset="-122"/>
+              </a:rPr>
+              <a:t>'; </a:t>
+            </a:r>
           </a:p>
           <a:p>
             <a:r>
@@ -30070,12 +30127,10 @@
                 <a:latin typeface="微软雅黑" panose="020B0503020204020204" pitchFamily="34" charset="-122"/>
                 <a:ea typeface="微软雅黑" panose="020B0503020204020204" pitchFamily="34" charset="-122"/>
               </a:rPr>
-              <a:t>&lt;div id="name" style="color:#fff"&gt;前端你别闹&lt;/div&gt;</a:t>
-            </a:r>
-          </a:p>
-          <a:p>
-            <a:r>
-              <a:rPr lang="zh-CN" altLang="en-US" sz="1600" dirty="0">
+              <a:t>&lt;div id="name" style="color:#fff</a:t>
+            </a:r>
+            <a:r>
+              <a:rPr lang="zh-CN" altLang="en-US" sz="1600" dirty="0" smtClean="0">
                 <a:solidFill>
                   <a:schemeClr val="accent2">
                     <a:lumMod val="50000"/>
@@ -30084,7 +30139,57 @@
                 <a:latin typeface="微软雅黑" panose="020B0503020204020204" pitchFamily="34" charset="-122"/>
                 <a:ea typeface="微软雅黑" panose="020B0503020204020204" pitchFamily="34" charset="-122"/>
               </a:rPr>
-              <a:t>&lt;div id="age"&gt;3&lt;/div</a:t>
+              <a:t>"&gt;&lt;/</a:t>
+            </a:r>
+            <a:r>
+              <a:rPr lang="zh-CN" altLang="en-US" sz="1600" dirty="0">
+                <a:solidFill>
+                  <a:schemeClr val="accent2">
+                    <a:lumMod val="50000"/>
+                  </a:schemeClr>
+                </a:solidFill>
+                <a:latin typeface="微软雅黑" panose="020B0503020204020204" pitchFamily="34" charset="-122"/>
+                <a:ea typeface="微软雅黑" panose="020B0503020204020204" pitchFamily="34" charset="-122"/>
+              </a:rPr>
+              <a:t>div&gt;</a:t>
+            </a:r>
+          </a:p>
+          <a:p>
+            <a:r>
+              <a:rPr lang="zh-CN" altLang="en-US" sz="1600" dirty="0">
+                <a:solidFill>
+                  <a:schemeClr val="accent2">
+                    <a:lumMod val="50000"/>
+                  </a:schemeClr>
+                </a:solidFill>
+                <a:latin typeface="微软雅黑" panose="020B0503020204020204" pitchFamily="34" charset="-122"/>
+                <a:ea typeface="微软雅黑" panose="020B0503020204020204" pitchFamily="34" charset="-122"/>
+              </a:rPr>
+              <a:t>&lt;div id="age</a:t>
+            </a:r>
+            <a:r>
+              <a:rPr lang="zh-CN" altLang="en-US" sz="1600" dirty="0" smtClean="0">
+                <a:solidFill>
+                  <a:schemeClr val="accent2">
+                    <a:lumMod val="50000"/>
+                  </a:schemeClr>
+                </a:solidFill>
+                <a:latin typeface="微软雅黑" panose="020B0503020204020204" pitchFamily="34" charset="-122"/>
+                <a:ea typeface="微软雅黑" panose="020B0503020204020204" pitchFamily="34" charset="-122"/>
+              </a:rPr>
+              <a:t>"&gt;&lt;/</a:t>
+            </a:r>
+            <a:r>
+              <a:rPr lang="zh-CN" altLang="en-US" sz="1600" dirty="0">
+                <a:solidFill>
+                  <a:schemeClr val="accent2">
+                    <a:lumMod val="50000"/>
+                  </a:schemeClr>
+                </a:solidFill>
+                <a:latin typeface="微软雅黑" panose="020B0503020204020204" pitchFamily="34" charset="-122"/>
+                <a:ea typeface="微软雅黑" panose="020B0503020204020204" pitchFamily="34" charset="-122"/>
+              </a:rPr>
+              <a:t>div</a:t>
             </a:r>
             <a:r>
               <a:rPr lang="zh-CN" altLang="en-US" sz="1600" dirty="0" smtClean="0">
@@ -30130,10 +30235,10 @@
                 <a:latin typeface="微软雅黑" panose="020B0503020204020204" pitchFamily="34" charset="-122"/>
                 <a:ea typeface="微软雅黑" panose="020B0503020204020204" pitchFamily="34" charset="-122"/>
               </a:rPr>
-              <a:t>$('#name').text('</a:t>
-            </a:r>
-            <a:r>
-              <a:rPr lang="zh-CN" altLang="en-US" sz="1600" dirty="0">
+              <a:t>$('#name').text</a:t>
+            </a:r>
+            <a:r>
+              <a:rPr lang="en-US" altLang="zh-CN" sz="1600" dirty="0" smtClean="0">
                 <a:solidFill>
                   <a:schemeClr val="accent2">
                     <a:lumMod val="50000"/>
@@ -30142,10 +30247,22 @@
                 <a:latin typeface="微软雅黑" panose="020B0503020204020204" pitchFamily="34" charset="-122"/>
                 <a:ea typeface="微软雅黑" panose="020B0503020204020204" pitchFamily="34" charset="-122"/>
               </a:rPr>
-              <a:t>小北好帅</a:t>
-            </a:r>
-            <a:r>
-              <a:rPr lang="en-US" altLang="zh-CN" sz="1600" dirty="0">
+              <a:t>('</a:t>
+            </a:r>
+            <a:r>
+              <a:rPr lang="zh-CN" altLang="en-US" sz="1600" dirty="0">
+                <a:solidFill>
+                  <a:schemeClr val="accent2">
+                    <a:lumMod val="50000"/>
+                  </a:schemeClr>
+                </a:solidFill>
+                <a:latin typeface="微软雅黑" panose="020B0503020204020204" pitchFamily="34" charset="-122"/>
+                <a:ea typeface="微软雅黑" panose="020B0503020204020204" pitchFamily="34" charset="-122"/>
+              </a:rPr>
+              <a:t>中科软</a:t>
+            </a:r>
+            <a:r>
+              <a:rPr lang="en-US" altLang="zh-CN" sz="1600" dirty="0" smtClean="0">
                 <a:solidFill>
                   <a:schemeClr val="accent2">
                     <a:lumMod val="50000"/>
@@ -30213,7 +30330,43 @@
                 <a:latin typeface="微软雅黑" panose="020B0503020204020204" pitchFamily="34" charset="-122"/>
                 <a:ea typeface="微软雅黑" panose="020B0503020204020204" pitchFamily="34" charset="-122"/>
               </a:rPr>
-              <a:t>$('#age').text('666').</a:t>
+              <a:t>$('#age').text</a:t>
+            </a:r>
+            <a:r>
+              <a:rPr lang="en-US" altLang="zh-CN" sz="1600" dirty="0" smtClean="0">
+                <a:solidFill>
+                  <a:schemeClr val="accent2">
+                    <a:lumMod val="50000"/>
+                  </a:schemeClr>
+                </a:solidFill>
+                <a:latin typeface="微软雅黑" panose="020B0503020204020204" pitchFamily="34" charset="-122"/>
+                <a:ea typeface="微软雅黑" panose="020B0503020204020204" pitchFamily="34" charset="-122"/>
+              </a:rPr>
+              <a:t>('</a:t>
+            </a:r>
+            <a:r>
+              <a:rPr lang="zh-CN" altLang="en-US" sz="1600" dirty="0">
+                <a:solidFill>
+                  <a:schemeClr val="accent2">
+                    <a:lumMod val="50000"/>
+                  </a:schemeClr>
+                </a:solidFill>
+                <a:latin typeface="微软雅黑" panose="020B0503020204020204" pitchFamily="34" charset="-122"/>
+                <a:ea typeface="微软雅黑" panose="020B0503020204020204" pitchFamily="34" charset="-122"/>
+              </a:rPr>
+              <a:t>中青博联</a:t>
+            </a:r>
+            <a:r>
+              <a:rPr lang="en-US" altLang="zh-CN" sz="1600" dirty="0" smtClean="0">
+                <a:solidFill>
+                  <a:schemeClr val="accent2">
+                    <a:lumMod val="50000"/>
+                  </a:schemeClr>
+                </a:solidFill>
+                <a:latin typeface="微软雅黑" panose="020B0503020204020204" pitchFamily="34" charset="-122"/>
+                <a:ea typeface="微软雅黑" panose="020B0503020204020204" pitchFamily="34" charset="-122"/>
+              </a:rPr>
+              <a:t>').</a:t>
             </a:r>
             <a:r>
               <a:rPr lang="en-US" altLang="zh-CN" sz="1600" dirty="0" err="1">

--- a/Vue/前端框架—Vue-郝彬彬-20180820.pptx
+++ b/Vue/前端框架—Vue-郝彬彬-20180820.pptx
@@ -6,7 +6,7 @@
     <p:sldMasterId id="2147483648" r:id="rId2"/>
   </p:sldMasterIdLst>
   <p:notesMasterIdLst>
-    <p:notesMasterId r:id="rId39"/>
+    <p:notesMasterId r:id="rId40"/>
   </p:notesMasterIdLst>
   <p:sldIdLst>
     <p:sldId id="256" r:id="rId3"/>
@@ -44,7 +44,8 @@
     <p:sldId id="364" r:id="rId35"/>
     <p:sldId id="328" r:id="rId36"/>
     <p:sldId id="365" r:id="rId37"/>
-    <p:sldId id="367" r:id="rId38"/>
+    <p:sldId id="369" r:id="rId38"/>
+    <p:sldId id="367" r:id="rId39"/>
   </p:sldIdLst>
   <p:sldSz cx="12192000" cy="6858000"/>
   <p:notesSz cx="6858000" cy="9144000"/>
@@ -247,7 +248,7 @@
           <a:p>
             <a:fld id="{61F7925A-66A9-4666-BAAB-B5CA37193EEE}" type="datetimeFigureOut">
               <a:rPr lang="zh-CN" altLang="en-US" smtClean="0"/>
-              <a:t>2018/8/21</a:t>
+              <a:t>2018/9/18</a:t>
             </a:fld>
             <a:endParaRPr lang="zh-CN" altLang="en-US"/>
           </a:p>
@@ -1216,6 +1217,526 @@
   <p:clrMapOvr>
     <a:masterClrMapping/>
   </p:clrMapOvr>
+  <p:timing>
+    <p:tnLst>
+      <p:par>
+        <p:cTn id="1" dur="indefinite" restart="never" nodeType="tmRoot"/>
+      </p:par>
+    </p:tnLst>
+  </p:timing>
+</p:sldLayout>
+</file>
+
+<file path=ppt/slideLayouts/slideLayout13.xml><?xml version="1.0" encoding="utf-8"?>
+<p:sldLayout xmlns:a="http://schemas.openxmlformats.org/drawingml/2006/main" xmlns:r="http://schemas.openxmlformats.org/officeDocument/2006/relationships" xmlns:p="http://schemas.openxmlformats.org/presentationml/2006/main" userDrawn="1">
+  <p:cSld name="过渡页1">
+    <p:spTree>
+      <p:nvGrpSpPr>
+        <p:cNvPr id="1" name=""/>
+        <p:cNvGrpSpPr/>
+        <p:nvPr/>
+      </p:nvGrpSpPr>
+      <p:grpSpPr>
+        <a:xfrm>
+          <a:off x="0" y="0"/>
+          <a:ext cx="0" cy="0"/>
+          <a:chOff x="0" y="0"/>
+          <a:chExt cx="0" cy="0"/>
+        </a:xfrm>
+      </p:grpSpPr>
+      <p:sp>
+        <p:nvSpPr>
+          <p:cNvPr id="11" name="矩形 10"/>
+          <p:cNvSpPr/>
+          <p:nvPr userDrawn="1"/>
+        </p:nvSpPr>
+        <p:spPr>
+          <a:xfrm>
+            <a:off x="359946" y="0"/>
+            <a:ext cx="336859" cy="908720"/>
+          </a:xfrm>
+          <a:prstGeom prst="rect">
+            <a:avLst/>
+          </a:prstGeom>
+          <a:gradFill>
+            <a:gsLst>
+              <a:gs pos="0">
+                <a:srgbClr val="333134"/>
+              </a:gs>
+              <a:gs pos="74000">
+                <a:srgbClr val="39373A"/>
+              </a:gs>
+              <a:gs pos="83000">
+                <a:srgbClr val="373538"/>
+              </a:gs>
+              <a:gs pos="100000">
+                <a:srgbClr val="363436"/>
+              </a:gs>
+            </a:gsLst>
+            <a:lin ang="5400000" scaled="1"/>
+          </a:gradFill>
+          <a:ln>
+            <a:noFill/>
+          </a:ln>
+        </p:spPr>
+        <p:style>
+          <a:lnRef idx="2">
+            <a:schemeClr val="accent1">
+              <a:shade val="50000"/>
+            </a:schemeClr>
+          </a:lnRef>
+          <a:fillRef idx="1">
+            <a:schemeClr val="accent1"/>
+          </a:fillRef>
+          <a:effectRef idx="0">
+            <a:schemeClr val="accent1"/>
+          </a:effectRef>
+          <a:fontRef idx="minor">
+            <a:schemeClr val="lt1"/>
+          </a:fontRef>
+        </p:style>
+        <p:txBody>
+          <a:bodyPr rtlCol="0" anchor="ctr"/>
+          <a:lstStyle/>
+          <a:p>
+            <a:pPr algn="ctr"/>
+            <a:endParaRPr lang="zh-CN" altLang="en-US" sz="1800"/>
+          </a:p>
+        </p:txBody>
+      </p:sp>
+      <p:sp>
+        <p:nvSpPr>
+          <p:cNvPr id="12" name="TextBox 3"/>
+          <p:cNvSpPr txBox="1"/>
+          <p:nvPr userDrawn="1"/>
+        </p:nvSpPr>
+        <p:spPr>
+          <a:xfrm>
+            <a:off x="829095" y="404664"/>
+            <a:ext cx="1451474" cy="523220"/>
+          </a:xfrm>
+          <a:prstGeom prst="rect">
+            <a:avLst/>
+          </a:prstGeom>
+          <a:noFill/>
+        </p:spPr>
+        <p:txBody>
+          <a:bodyPr wrap="square">
+            <a:spAutoFit/>
+          </a:bodyPr>
+          <a:lstStyle/>
+          <a:p>
+            <a:pPr algn="l">
+              <a:defRPr/>
+            </a:pPr>
+            <a:r>
+              <a:rPr lang="zh-CN" altLang="en-US" sz="2800" b="1" dirty="0" smtClean="0">
+                <a:solidFill>
+                  <a:schemeClr val="tx1">
+                    <a:lumMod val="65000"/>
+                    <a:lumOff val="35000"/>
+                  </a:schemeClr>
+                </a:solidFill>
+                <a:latin typeface="微软雅黑" pitchFamily="34" charset="-122"/>
+                <a:ea typeface="微软雅黑" pitchFamily="34" charset="-122"/>
+              </a:rPr>
+              <a:t>章节</a:t>
+            </a:r>
+            <a:endParaRPr lang="zh-CN" altLang="en-US" sz="2800" b="1" dirty="0">
+              <a:solidFill>
+                <a:schemeClr val="tx1">
+                  <a:lumMod val="65000"/>
+                  <a:lumOff val="35000"/>
+                </a:schemeClr>
+              </a:solidFill>
+              <a:latin typeface="微软雅黑" pitchFamily="34" charset="-122"/>
+              <a:ea typeface="微软雅黑" pitchFamily="34" charset="-122"/>
+            </a:endParaRPr>
+          </a:p>
+        </p:txBody>
+      </p:sp>
+      <p:sp>
+        <p:nvSpPr>
+          <p:cNvPr id="13" name="矩形 24"/>
+          <p:cNvSpPr>
+            <a:spLocks noChangeArrowheads="1"/>
+          </p:cNvSpPr>
+          <p:nvPr userDrawn="1"/>
+        </p:nvSpPr>
+        <p:spPr bwMode="auto">
+          <a:xfrm>
+            <a:off x="2136590" y="558552"/>
+            <a:ext cx="2447635" cy="369332"/>
+          </a:xfrm>
+          <a:prstGeom prst="rect">
+            <a:avLst/>
+          </a:prstGeom>
+          <a:noFill/>
+          <a:ln w="9525">
+            <a:noFill/>
+            <a:miter lim="800000"/>
+            <a:headEnd/>
+            <a:tailEnd/>
+          </a:ln>
+        </p:spPr>
+        <p:txBody>
+          <a:bodyPr wrap="square">
+            <a:spAutoFit/>
+          </a:bodyPr>
+          <a:lstStyle/>
+          <a:p>
+            <a:r>
+              <a:rPr lang="en-US" altLang="zh-CN" sz="1800" b="1" dirty="0">
+                <a:solidFill>
+                  <a:srgbClr val="FFC000"/>
+                </a:solidFill>
+                <a:ea typeface="微软雅黑" pitchFamily="34" charset="-122"/>
+                <a:cs typeface="Arial Unicode MS" pitchFamily="34" charset="-122"/>
+              </a:rPr>
+              <a:t>TRANSITION PAGE</a:t>
+            </a:r>
+            <a:endParaRPr lang="zh-CN" altLang="en-US" sz="1800" b="1" dirty="0">
+              <a:solidFill>
+                <a:srgbClr val="FFC000"/>
+              </a:solidFill>
+              <a:ea typeface="微软雅黑" pitchFamily="34" charset="-122"/>
+              <a:cs typeface="Arial Unicode MS" pitchFamily="34" charset="-122"/>
+            </a:endParaRPr>
+          </a:p>
+        </p:txBody>
+      </p:sp>
+      <p:cxnSp>
+        <p:nvCxnSpPr>
+          <p:cNvPr id="3" name="直接连接符 2"/>
+          <p:cNvCxnSpPr/>
+          <p:nvPr userDrawn="1"/>
+        </p:nvCxnSpPr>
+        <p:spPr>
+          <a:xfrm>
+            <a:off x="359945" y="908720"/>
+            <a:ext cx="4368258" cy="0"/>
+          </a:xfrm>
+          <a:prstGeom prst="line">
+            <a:avLst/>
+          </a:prstGeom>
+          <a:ln>
+            <a:solidFill>
+              <a:schemeClr val="tx1">
+                <a:lumMod val="50000"/>
+                <a:lumOff val="50000"/>
+              </a:schemeClr>
+            </a:solidFill>
+          </a:ln>
+        </p:spPr>
+        <p:style>
+          <a:lnRef idx="1">
+            <a:schemeClr val="accent1"/>
+          </a:lnRef>
+          <a:fillRef idx="0">
+            <a:schemeClr val="accent1"/>
+          </a:fillRef>
+          <a:effectRef idx="0">
+            <a:schemeClr val="accent1"/>
+          </a:effectRef>
+          <a:fontRef idx="minor">
+            <a:schemeClr val="tx1"/>
+          </a:fontRef>
+        </p:style>
+      </p:cxnSp>
+      <p:sp>
+        <p:nvSpPr>
+          <p:cNvPr id="10" name="TextBox 15"/>
+          <p:cNvSpPr txBox="1"/>
+          <p:nvPr userDrawn="1"/>
+        </p:nvSpPr>
+        <p:spPr>
+          <a:xfrm>
+            <a:off x="11088403" y="6184352"/>
+            <a:ext cx="982705" cy="338554"/>
+          </a:xfrm>
+          <a:prstGeom prst="rect">
+            <a:avLst/>
+          </a:prstGeom>
+          <a:noFill/>
+        </p:spPr>
+        <p:txBody>
+          <a:bodyPr wrap="none" rtlCol="0">
+            <a:spAutoFit/>
+          </a:bodyPr>
+          <a:lstStyle/>
+          <a:p>
+            <a:r>
+              <a:rPr lang="en-US" altLang="zh-CN" sz="1600" dirty="0" smtClean="0">
+                <a:solidFill>
+                  <a:schemeClr val="bg1">
+                    <a:lumMod val="75000"/>
+                  </a:schemeClr>
+                </a:solidFill>
+              </a:rPr>
+              <a:t>—  </a:t>
+            </a:r>
+            <a:fld id="{2EEF1883-7A0E-4F66-9932-E581691AD397}" type="slidenum">
+              <a:rPr lang="zh-CN" altLang="en-US" sz="1600" smtClean="0">
+                <a:solidFill>
+                  <a:schemeClr val="bg1">
+                    <a:lumMod val="75000"/>
+                  </a:schemeClr>
+                </a:solidFill>
+              </a:rPr>
+              <a:pPr/>
+              <a:t>‹#›</a:t>
+            </a:fld>
+            <a:r>
+              <a:rPr lang="zh-CN" altLang="en-US" sz="1600" dirty="0" smtClean="0">
+                <a:solidFill>
+                  <a:schemeClr val="bg1">
+                    <a:lumMod val="75000"/>
+                  </a:schemeClr>
+                </a:solidFill>
+              </a:rPr>
+              <a:t> </a:t>
+            </a:r>
+            <a:r>
+              <a:rPr lang="en-US" altLang="zh-CN" sz="1600" dirty="0" smtClean="0">
+                <a:solidFill>
+                  <a:schemeClr val="bg1">
+                    <a:lumMod val="75000"/>
+                  </a:schemeClr>
+                </a:solidFill>
+              </a:rPr>
+              <a:t>—</a:t>
+            </a:r>
+            <a:r>
+              <a:rPr lang="zh-CN" altLang="en-US" sz="1600" dirty="0" smtClean="0">
+                <a:solidFill>
+                  <a:schemeClr val="bg1">
+                    <a:lumMod val="75000"/>
+                  </a:schemeClr>
+                </a:solidFill>
+              </a:rPr>
+              <a:t> </a:t>
+            </a:r>
+            <a:endParaRPr lang="zh-CN" altLang="en-US" sz="1600" b="0" dirty="0">
+              <a:solidFill>
+                <a:schemeClr val="bg1">
+                  <a:lumMod val="75000"/>
+                </a:schemeClr>
+              </a:solidFill>
+              <a:latin typeface="微软雅黑" pitchFamily="34" charset="-122"/>
+              <a:ea typeface="微软雅黑" pitchFamily="34" charset="-122"/>
+            </a:endParaRPr>
+          </a:p>
+        </p:txBody>
+      </p:sp>
+      <p:sp>
+        <p:nvSpPr>
+          <p:cNvPr id="7" name="椭圆 6"/>
+          <p:cNvSpPr/>
+          <p:nvPr userDrawn="1"/>
+        </p:nvSpPr>
+        <p:spPr>
+          <a:xfrm>
+            <a:off x="3573628" y="2420888"/>
+            <a:ext cx="1044000" cy="1044000"/>
+          </a:xfrm>
+          <a:prstGeom prst="ellipse">
+            <a:avLst/>
+          </a:prstGeom>
+          <a:ln>
+            <a:solidFill>
+              <a:srgbClr val="FFC000"/>
+            </a:solidFill>
+          </a:ln>
+        </p:spPr>
+        <p:style>
+          <a:lnRef idx="2">
+            <a:schemeClr val="accent6"/>
+          </a:lnRef>
+          <a:fillRef idx="1">
+            <a:schemeClr val="lt1"/>
+          </a:fillRef>
+          <a:effectRef idx="0">
+            <a:schemeClr val="accent6"/>
+          </a:effectRef>
+          <a:fontRef idx="minor">
+            <a:schemeClr val="dk1"/>
+          </a:fontRef>
+        </p:style>
+        <p:txBody>
+          <a:bodyPr anchor="ctr"/>
+          <a:lstStyle/>
+          <a:p>
+            <a:pPr algn="ctr">
+              <a:defRPr/>
+            </a:pPr>
+            <a:endParaRPr lang="zh-CN" altLang="en-US">
+              <a:latin typeface="Impact" pitchFamily="34" charset="0"/>
+            </a:endParaRPr>
+          </a:p>
+        </p:txBody>
+      </p:sp>
+      <p:cxnSp>
+        <p:nvCxnSpPr>
+          <p:cNvPr id="8" name="直接连接符 7"/>
+          <p:cNvCxnSpPr>
+            <a:stCxn id="7" idx="6"/>
+          </p:cNvCxnSpPr>
+          <p:nvPr userDrawn="1"/>
+        </p:nvCxnSpPr>
+        <p:spPr>
+          <a:xfrm>
+            <a:off x="4617628" y="2942888"/>
+            <a:ext cx="4502708" cy="0"/>
+          </a:xfrm>
+          <a:prstGeom prst="line">
+            <a:avLst/>
+          </a:prstGeom>
+          <a:ln w="28575">
+            <a:solidFill>
+              <a:srgbClr val="FFC000"/>
+            </a:solidFill>
+            <a:tailEnd type="arrow" w="lg" len="lg"/>
+          </a:ln>
+        </p:spPr>
+        <p:style>
+          <a:lnRef idx="1">
+            <a:schemeClr val="accent1"/>
+          </a:lnRef>
+          <a:fillRef idx="0">
+            <a:schemeClr val="accent1"/>
+          </a:fillRef>
+          <a:effectRef idx="0">
+            <a:schemeClr val="accent1"/>
+          </a:effectRef>
+          <a:fontRef idx="minor">
+            <a:schemeClr val="tx1"/>
+          </a:fontRef>
+        </p:style>
+      </p:cxnSp>
+      <p:sp>
+        <p:nvSpPr>
+          <p:cNvPr id="9" name="矩形 8"/>
+          <p:cNvSpPr/>
+          <p:nvPr userDrawn="1"/>
+        </p:nvSpPr>
+        <p:spPr>
+          <a:xfrm>
+            <a:off x="0" y="6642000"/>
+            <a:ext cx="12192000" cy="216000"/>
+          </a:xfrm>
+          <a:prstGeom prst="rect">
+            <a:avLst/>
+          </a:prstGeom>
+          <a:solidFill>
+            <a:srgbClr val="88E70F"/>
+          </a:solidFill>
+          <a:ln>
+            <a:noFill/>
+          </a:ln>
+        </p:spPr>
+        <p:style>
+          <a:lnRef idx="2">
+            <a:schemeClr val="accent1">
+              <a:shade val="50000"/>
+            </a:schemeClr>
+          </a:lnRef>
+          <a:fillRef idx="1">
+            <a:schemeClr val="accent1"/>
+          </a:fillRef>
+          <a:effectRef idx="0">
+            <a:schemeClr val="accent1"/>
+          </a:effectRef>
+          <a:fontRef idx="minor">
+            <a:schemeClr val="lt1"/>
+          </a:fontRef>
+        </p:style>
+        <p:txBody>
+          <a:bodyPr rtlCol="0" anchor="ctr"/>
+          <a:lstStyle/>
+          <a:p>
+            <a:pPr algn="ctr"/>
+            <a:endParaRPr lang="zh-CN" altLang="en-US" sz="1800"/>
+          </a:p>
+        </p:txBody>
+      </p:sp>
+      <p:sp>
+        <p:nvSpPr>
+          <p:cNvPr id="14" name="矩形 13"/>
+          <p:cNvSpPr/>
+          <p:nvPr userDrawn="1"/>
+        </p:nvSpPr>
+        <p:spPr>
+          <a:xfrm>
+            <a:off x="0" y="6021288"/>
+            <a:ext cx="12192000" cy="620712"/>
+          </a:xfrm>
+          <a:prstGeom prst="rect">
+            <a:avLst/>
+          </a:prstGeom>
+          <a:gradFill>
+            <a:gsLst>
+              <a:gs pos="0">
+                <a:srgbClr val="333134"/>
+              </a:gs>
+              <a:gs pos="74000">
+                <a:srgbClr val="39373A"/>
+              </a:gs>
+              <a:gs pos="83000">
+                <a:srgbClr val="373538"/>
+              </a:gs>
+              <a:gs pos="100000">
+                <a:srgbClr val="363436"/>
+              </a:gs>
+            </a:gsLst>
+            <a:lin ang="5400000" scaled="1"/>
+          </a:gradFill>
+          <a:ln>
+            <a:noFill/>
+          </a:ln>
+        </p:spPr>
+        <p:style>
+          <a:lnRef idx="2">
+            <a:schemeClr val="accent1">
+              <a:shade val="50000"/>
+            </a:schemeClr>
+          </a:lnRef>
+          <a:fillRef idx="1">
+            <a:schemeClr val="accent1"/>
+          </a:fillRef>
+          <a:effectRef idx="0">
+            <a:schemeClr val="accent1"/>
+          </a:effectRef>
+          <a:fontRef idx="minor">
+            <a:schemeClr val="lt1"/>
+          </a:fontRef>
+        </p:style>
+        <p:txBody>
+          <a:bodyPr rtlCol="0" anchor="ctr"/>
+          <a:lstStyle/>
+          <a:p>
+            <a:pPr algn="ctr"/>
+            <a:endParaRPr lang="zh-CN" altLang="en-US" sz="1800"/>
+          </a:p>
+        </p:txBody>
+      </p:sp>
+    </p:spTree>
+    <p:extLst>
+      <p:ext uri="{BB962C8B-B14F-4D97-AF65-F5344CB8AC3E}">
+        <p14:creationId xmlns:p14="http://schemas.microsoft.com/office/powerpoint/2010/main" val="679232781"/>
+      </p:ext>
+    </p:extLst>
+  </p:cSld>
+  <p:clrMapOvr>
+    <a:masterClrMapping/>
+  </p:clrMapOvr>
+  <mc:AlternateContent xmlns:mc="http://schemas.openxmlformats.org/markup-compatibility/2006">
+    <mc:Choice xmlns:p14="http://schemas.microsoft.com/office/powerpoint/2010/main" Requires="p14">
+      <p:transition spd="slow" p14:dur="2000"/>
+    </mc:Choice>
+    <mc:Fallback>
+      <p:transition spd="slow"/>
+    </mc:Fallback>
+  </mc:AlternateContent>
   <p:timing>
     <p:tnLst>
       <p:par>
@@ -3963,7 +4484,7 @@
         <p:sp>
           <p:nvSpPr>
             <p:cNvPr id="8" name="TextBox 36">
-              <a:hlinkClick r:id="rId11" action="ppaction://hlinksldjump"/>
+              <a:hlinkClick r:id="rId12" action="ppaction://hlinksldjump"/>
             </p:cNvPr>
             <p:cNvSpPr txBox="1"/>
             <p:nvPr userDrawn="1"/>
@@ -4239,7 +4760,7 @@
             <p:sp>
               <p:nvSpPr>
                 <p:cNvPr id="31" name="TextBox 57">
-                  <a:hlinkClick r:id="rId11" action="ppaction://hlinksldjump"/>
+                  <a:hlinkClick r:id="rId12" action="ppaction://hlinksldjump"/>
                 </p:cNvPr>
                 <p:cNvSpPr txBox="1"/>
                 <p:nvPr/>
@@ -4401,7 +4922,7 @@
             <p:sp>
               <p:nvSpPr>
                 <p:cNvPr id="28" name="TextBox 54">
-                  <a:hlinkClick r:id="rId11" action="ppaction://hlinksldjump"/>
+                  <a:hlinkClick r:id="rId12" action="ppaction://hlinksldjump"/>
                 </p:cNvPr>
                 <p:cNvSpPr txBox="1"/>
                 <p:nvPr/>
@@ -4563,7 +5084,7 @@
             <p:sp>
               <p:nvSpPr>
                 <p:cNvPr id="25" name="TextBox 51">
-                  <a:hlinkClick r:id="rId11" action="ppaction://hlinksldjump"/>
+                  <a:hlinkClick r:id="rId12" action="ppaction://hlinksldjump"/>
                 </p:cNvPr>
                 <p:cNvSpPr txBox="1"/>
                 <p:nvPr/>
@@ -4725,7 +5246,7 @@
             <p:sp>
               <p:nvSpPr>
                 <p:cNvPr id="22" name="TextBox 48">
-                  <a:hlinkClick r:id="rId11" action="ppaction://hlinksldjump"/>
+                  <a:hlinkClick r:id="rId12" action="ppaction://hlinksldjump"/>
                 </p:cNvPr>
                 <p:cNvSpPr txBox="1"/>
                 <p:nvPr/>
@@ -4887,7 +5408,7 @@
             <p:sp>
               <p:nvSpPr>
                 <p:cNvPr id="19" name="TextBox 45">
-                  <a:hlinkClick r:id="rId11" action="ppaction://hlinksldjump"/>
+                  <a:hlinkClick r:id="rId12" action="ppaction://hlinksldjump"/>
                 </p:cNvPr>
                 <p:cNvSpPr txBox="1"/>
                 <p:nvPr/>
@@ -4944,7 +5465,7 @@
           <p:nvPr userDrawn="1"/>
         </p:nvPicPr>
         <p:blipFill>
-          <a:blip r:embed="rId12" cstate="print">
+          <a:blip r:embed="rId13" cstate="print">
             <a:extLst>
               <a:ext uri="{28A0092B-C50C-407E-A947-70E740481C1C}">
                 <a14:useLocalDpi xmlns:a14="http://schemas.microsoft.com/office/drawing/2010/main" val="0"/>
@@ -4989,6 +5510,7 @@
     <p:sldLayoutId id="2147483660" r:id="rId7"/>
     <p:sldLayoutId id="2147483651" r:id="rId8"/>
     <p:sldLayoutId id="2147483656" r:id="rId9"/>
+    <p:sldLayoutId id="2147483678" r:id="rId10"/>
   </p:sldLayoutIdLst>
   <p:timing>
     <p:tnLst>
@@ -16255,8 +16777,8 @@
         </p:nvSpPr>
         <p:spPr>
           <a:xfrm>
-            <a:off x="3520728" y="1915241"/>
-            <a:ext cx="6391696" cy="577655"/>
+            <a:off x="3520728" y="1700808"/>
+            <a:ext cx="6391696" cy="1008112"/>
           </a:xfrm>
           <a:prstGeom prst="roundRect">
             <a:avLst>
@@ -16306,7 +16828,7 @@
         </p:nvSpPr>
         <p:spPr>
           <a:xfrm>
-            <a:off x="3520727" y="2048859"/>
+            <a:off x="3520727" y="1834426"/>
             <a:ext cx="3652302" cy="338554"/>
           </a:xfrm>
           <a:prstGeom prst="rect">
@@ -16352,50 +16874,8 @@
         </p:blipFill>
         <p:spPr>
           <a:xfrm>
-            <a:off x="7481167" y="2780928"/>
+            <a:off x="7481167" y="2924944"/>
             <a:ext cx="2431256" cy="2711355"/>
-          </a:xfrm>
-          <a:prstGeom prst="rect">
-            <a:avLst/>
-          </a:prstGeom>
-          <a:ln>
-            <a:solidFill>
-              <a:srgbClr val="FFC000"/>
-            </a:solidFill>
-          </a:ln>
-          <a:effectLst>
-            <a:glow rad="63500">
-              <a:schemeClr val="accent6">
-                <a:satMod val="175000"/>
-                <a:alpha val="40000"/>
-              </a:schemeClr>
-            </a:glow>
-            <a:outerShdw blurRad="292100" dist="139700" dir="2700000" algn="tl" rotWithShape="0">
-              <a:srgbClr val="333333">
-                <a:alpha val="65000"/>
-              </a:srgbClr>
-            </a:outerShdw>
-          </a:effectLst>
-        </p:spPr>
-      </p:pic>
-      <p:pic>
-        <p:nvPicPr>
-          <p:cNvPr id="4" name="图片 3"/>
-          <p:cNvPicPr>
-            <a:picLocks noChangeAspect="1"/>
-          </p:cNvPicPr>
-          <p:nvPr/>
-        </p:nvPicPr>
-        <p:blipFill>
-          <a:blip r:embed="rId3"/>
-          <a:stretch>
-            <a:fillRect/>
-          </a:stretch>
-        </p:blipFill>
-        <p:spPr>
-          <a:xfrm>
-            <a:off x="3520727" y="2780928"/>
-            <a:ext cx="3628144" cy="2711355"/>
           </a:xfrm>
           <a:prstGeom prst="rect">
             <a:avLst/>
@@ -16493,6 +16973,136 @@
           </a:p>
         </p:txBody>
       </p:sp>
+      <p:sp>
+        <p:nvSpPr>
+          <p:cNvPr id="8" name="矩形 7"/>
+          <p:cNvSpPr/>
+          <p:nvPr/>
+        </p:nvSpPr>
+        <p:spPr>
+          <a:xfrm>
+            <a:off x="3508648" y="2220877"/>
+            <a:ext cx="3652302" cy="338554"/>
+          </a:xfrm>
+          <a:prstGeom prst="rect">
+            <a:avLst/>
+          </a:prstGeom>
+        </p:spPr>
+        <p:txBody>
+          <a:bodyPr wrap="square">
+            <a:spAutoFit/>
+          </a:bodyPr>
+          <a:lstStyle/>
+          <a:p>
+            <a:r>
+              <a:rPr lang="zh-CN" altLang="en-US" sz="1600" dirty="0" smtClean="0">
+                <a:solidFill>
+                  <a:srgbClr val="34495E"/>
+                </a:solidFill>
+                <a:latin typeface="微软雅黑" panose="020B0503020204020204" pitchFamily="34" charset="-122"/>
+                <a:ea typeface="微软雅黑" panose="020B0503020204020204" pitchFamily="34" charset="-122"/>
+              </a:rPr>
+              <a:t>循环遍历有</a:t>
+            </a:r>
+            <a:r>
+              <a:rPr lang="en-US" altLang="zh-CN" sz="1600" dirty="0" smtClean="0">
+                <a:solidFill>
+                  <a:srgbClr val="34495E"/>
+                </a:solidFill>
+                <a:latin typeface="微软雅黑" panose="020B0503020204020204" pitchFamily="34" charset="-122"/>
+                <a:ea typeface="微软雅黑" panose="020B0503020204020204" pitchFamily="34" charset="-122"/>
+              </a:rPr>
+              <a:t>2</a:t>
+            </a:r>
+            <a:r>
+              <a:rPr lang="zh-CN" altLang="en-US" sz="1600" dirty="0" smtClean="0">
+                <a:solidFill>
+                  <a:srgbClr val="34495E"/>
+                </a:solidFill>
+                <a:latin typeface="微软雅黑" panose="020B0503020204020204" pitchFamily="34" charset="-122"/>
+                <a:ea typeface="微软雅黑" panose="020B0503020204020204" pitchFamily="34" charset="-122"/>
+              </a:rPr>
+              <a:t>种方式：</a:t>
+            </a:r>
+            <a:r>
+              <a:rPr lang="en-US" altLang="zh-CN" sz="1600" dirty="0" smtClean="0">
+                <a:solidFill>
+                  <a:srgbClr val="34495E"/>
+                </a:solidFill>
+                <a:latin typeface="微软雅黑" panose="020B0503020204020204" pitchFamily="34" charset="-122"/>
+                <a:ea typeface="微软雅黑" panose="020B0503020204020204" pitchFamily="34" charset="-122"/>
+              </a:rPr>
+              <a:t>in </a:t>
+            </a:r>
+            <a:r>
+              <a:rPr lang="zh-CN" altLang="en-US" sz="1600" dirty="0" smtClean="0">
+                <a:solidFill>
+                  <a:srgbClr val="34495E"/>
+                </a:solidFill>
+                <a:latin typeface="微软雅黑" panose="020B0503020204020204" pitchFamily="34" charset="-122"/>
+                <a:ea typeface="微软雅黑" panose="020B0503020204020204" pitchFamily="34" charset="-122"/>
+              </a:rPr>
+              <a:t>和 </a:t>
+            </a:r>
+            <a:r>
+              <a:rPr lang="en-US" altLang="zh-CN" sz="1600" dirty="0" smtClean="0">
+                <a:solidFill>
+                  <a:srgbClr val="34495E"/>
+                </a:solidFill>
+                <a:latin typeface="微软雅黑" panose="020B0503020204020204" pitchFamily="34" charset="-122"/>
+                <a:ea typeface="微软雅黑" panose="020B0503020204020204" pitchFamily="34" charset="-122"/>
+              </a:rPr>
+              <a:t>of</a:t>
+            </a:r>
+            <a:endParaRPr lang="zh-CN" altLang="en-US" sz="1600" dirty="0">
+              <a:latin typeface="微软雅黑" panose="020B0503020204020204" pitchFamily="34" charset="-122"/>
+              <a:ea typeface="微软雅黑" panose="020B0503020204020204" pitchFamily="34" charset="-122"/>
+            </a:endParaRPr>
+          </a:p>
+        </p:txBody>
+      </p:sp>
+      <p:pic>
+        <p:nvPicPr>
+          <p:cNvPr id="3" name="图片 2"/>
+          <p:cNvPicPr>
+            <a:picLocks noChangeAspect="1"/>
+          </p:cNvPicPr>
+          <p:nvPr/>
+        </p:nvPicPr>
+        <p:blipFill>
+          <a:blip r:embed="rId3"/>
+          <a:stretch>
+            <a:fillRect/>
+          </a:stretch>
+        </p:blipFill>
+        <p:spPr>
+          <a:xfrm>
+            <a:off x="3520727" y="2929944"/>
+            <a:ext cx="3640223" cy="2727715"/>
+          </a:xfrm>
+          <a:prstGeom prst="rect">
+            <a:avLst/>
+          </a:prstGeom>
+          <a:ln>
+            <a:solidFill>
+              <a:srgbClr val="FFC000"/>
+            </a:solidFill>
+          </a:ln>
+          <a:effectLst>
+            <a:glow rad="63500">
+              <a:schemeClr val="accent6">
+                <a:satMod val="175000"/>
+                <a:alpha val="40000"/>
+              </a:schemeClr>
+            </a:glow>
+            <a:outerShdw blurRad="292100" dist="139700" dir="2700000" algn="tl" rotWithShape="0">
+              <a:srgbClr val="333333">
+                <a:alpha val="65000"/>
+              </a:srgbClr>
+            </a:outerShdw>
+          </a:effectLst>
+        </p:spPr>
+      </p:pic>
     </p:spTree>
     <p:extLst>
       <p:ext uri="{BB962C8B-B14F-4D97-AF65-F5344CB8AC3E}">
@@ -24614,6 +25224,158 @@
 </file>
 
 <file path=ppt/slides/slide36.xml><?xml version="1.0" encoding="utf-8"?>
+<p:sld xmlns:a="http://schemas.openxmlformats.org/drawingml/2006/main" xmlns:r="http://schemas.openxmlformats.org/officeDocument/2006/relationships" xmlns:p="http://schemas.openxmlformats.org/presentationml/2006/main">
+  <p:cSld>
+    <p:spTree>
+      <p:nvGrpSpPr>
+        <p:cNvPr id="1" name=""/>
+        <p:cNvGrpSpPr/>
+        <p:nvPr/>
+      </p:nvGrpSpPr>
+      <p:grpSpPr>
+        <a:xfrm>
+          <a:off x="0" y="0"/>
+          <a:ext cx="0" cy="0"/>
+          <a:chOff x="0" y="0"/>
+          <a:chExt cx="0" cy="0"/>
+        </a:xfrm>
+      </p:grpSpPr>
+      <p:sp>
+        <p:nvSpPr>
+          <p:cNvPr id="7" name="椭圆 6"/>
+          <p:cNvSpPr/>
+          <p:nvPr/>
+        </p:nvSpPr>
+        <p:spPr>
+          <a:xfrm>
+            <a:off x="3663628" y="2510887"/>
+            <a:ext cx="864000" cy="864000"/>
+          </a:xfrm>
+          <a:prstGeom prst="ellipse">
+            <a:avLst/>
+          </a:prstGeom>
+          <a:solidFill>
+            <a:srgbClr val="FFC000"/>
+          </a:solidFill>
+          <a:ln w="6350">
+            <a:noFill/>
+          </a:ln>
+        </p:spPr>
+        <p:style>
+          <a:lnRef idx="2">
+            <a:schemeClr val="accent1">
+              <a:shade val="50000"/>
+            </a:schemeClr>
+          </a:lnRef>
+          <a:fillRef idx="1">
+            <a:schemeClr val="accent1"/>
+          </a:fillRef>
+          <a:effectRef idx="0">
+            <a:schemeClr val="accent1"/>
+          </a:effectRef>
+          <a:fontRef idx="minor">
+            <a:schemeClr val="lt1"/>
+          </a:fontRef>
+        </p:style>
+        <p:txBody>
+          <a:bodyPr anchor="ctr"/>
+          <a:lstStyle/>
+          <a:p>
+            <a:pPr algn="ctr">
+              <a:defRPr/>
+            </a:pPr>
+            <a:r>
+              <a:rPr lang="zh-CN" altLang="en-US" sz="4400" dirty="0">
+                <a:latin typeface="华文琥珀" panose="02010800040101010101" pitchFamily="2" charset="-122"/>
+                <a:ea typeface="华文琥珀" panose="02010800040101010101" pitchFamily="2" charset="-122"/>
+              </a:rPr>
+              <a:t>五</a:t>
+            </a:r>
+            <a:endParaRPr lang="zh-CN" altLang="en-US" sz="4400" dirty="0">
+              <a:latin typeface="华文琥珀" panose="02010800040101010101" pitchFamily="2" charset="-122"/>
+              <a:ea typeface="华文琥珀" panose="02010800040101010101" pitchFamily="2" charset="-122"/>
+            </a:endParaRPr>
+          </a:p>
+        </p:txBody>
+      </p:sp>
+      <p:sp>
+        <p:nvSpPr>
+          <p:cNvPr id="11" name="TextBox 3"/>
+          <p:cNvSpPr txBox="1"/>
+          <p:nvPr/>
+        </p:nvSpPr>
+        <p:spPr>
+          <a:xfrm>
+            <a:off x="4707628" y="2204864"/>
+            <a:ext cx="3908652" cy="646331"/>
+          </a:xfrm>
+          <a:prstGeom prst="rect">
+            <a:avLst/>
+          </a:prstGeom>
+          <a:noFill/>
+        </p:spPr>
+        <p:txBody>
+          <a:bodyPr wrap="square">
+            <a:spAutoFit/>
+          </a:bodyPr>
+          <a:lstStyle/>
+          <a:p>
+            <a:pPr algn="l">
+              <a:defRPr/>
+            </a:pPr>
+            <a:r>
+              <a:rPr lang="zh-CN" altLang="en-US" sz="3600" b="1" dirty="0">
+                <a:solidFill>
+                  <a:srgbClr val="666666"/>
+                </a:solidFill>
+                <a:latin typeface="微软雅黑" pitchFamily="34" charset="-122"/>
+                <a:ea typeface="微软雅黑" pitchFamily="34" charset="-122"/>
+              </a:rPr>
+              <a:t>关键注意点</a:t>
+            </a:r>
+            <a:endParaRPr lang="zh-CN" altLang="en-US" sz="3600" b="1" dirty="0">
+              <a:solidFill>
+                <a:srgbClr val="666666"/>
+              </a:solidFill>
+              <a:latin typeface="微软雅黑" pitchFamily="34" charset="-122"/>
+              <a:ea typeface="微软雅黑" pitchFamily="34" charset="-122"/>
+            </a:endParaRPr>
+          </a:p>
+        </p:txBody>
+      </p:sp>
+    </p:spTree>
+    <p:extLst>
+      <p:ext uri="{BB962C8B-B14F-4D97-AF65-F5344CB8AC3E}">
+        <p14:creationId xmlns:p14="http://schemas.microsoft.com/office/powerpoint/2010/main" val="2008383592"/>
+      </p:ext>
+    </p:extLst>
+  </p:cSld>
+  <p:clrMapOvr>
+    <a:masterClrMapping/>
+  </p:clrMapOvr>
+  <mc:AlternateContent xmlns:mc="http://schemas.openxmlformats.org/markup-compatibility/2006">
+    <mc:Choice xmlns:p15="http://schemas.microsoft.com/office/powerpoint/2012/main" Requires="p15">
+      <p:transition xmlns:p14="http://schemas.microsoft.com/office/powerpoint/2010/main" spd="slow" p14:dur="2000">
+        <p15:prstTrans prst="prestige"/>
+      </p:transition>
+    </mc:Choice>
+    <mc:Fallback>
+      <p:transition spd="slow">
+        <p:fade/>
+      </p:transition>
+    </mc:Fallback>
+  </mc:AlternateContent>
+  <p:timing>
+    <p:tnLst>
+      <p:par>
+        <p:cTn id="1" dur="indefinite" restart="never" nodeType="tmRoot"/>
+      </p:par>
+    </p:tnLst>
+  </p:timing>
+</p:sld>
+</file>
+
+<file path=ppt/slides/slide37.xml><?xml version="1.0" encoding="utf-8"?>
 <p:sld xmlns:a="http://schemas.openxmlformats.org/drawingml/2006/main" xmlns:r="http://schemas.openxmlformats.org/officeDocument/2006/relationships" xmlns:p="http://schemas.openxmlformats.org/presentationml/2006/main">
   <p:cSld>
     <p:spTree>
